--- a/dotvvm/DotVVM.pptx
+++ b/dotvvm/DotVVM.pptx
@@ -6,26 +6,28 @@
     <p:sldMasterId id="2147483686" r:id="rId2"/>
   </p:sldMasterIdLst>
   <p:notesMasterIdLst>
-    <p:notesMasterId r:id="rId20"/>
+    <p:notesMasterId r:id="rId22"/>
   </p:notesMasterIdLst>
   <p:sldIdLst>
     <p:sldId id="256" r:id="rId3"/>
-    <p:sldId id="257" r:id="rId4"/>
-    <p:sldId id="265" r:id="rId5"/>
-    <p:sldId id="264" r:id="rId6"/>
-    <p:sldId id="274" r:id="rId7"/>
-    <p:sldId id="261" r:id="rId8"/>
-    <p:sldId id="266" r:id="rId9"/>
-    <p:sldId id="278" r:id="rId10"/>
-    <p:sldId id="276" r:id="rId11"/>
-    <p:sldId id="277" r:id="rId12"/>
-    <p:sldId id="267" r:id="rId13"/>
-    <p:sldId id="268" r:id="rId14"/>
-    <p:sldId id="275" r:id="rId15"/>
-    <p:sldId id="269" r:id="rId16"/>
-    <p:sldId id="273" r:id="rId17"/>
-    <p:sldId id="271" r:id="rId18"/>
-    <p:sldId id="263" r:id="rId19"/>
+    <p:sldId id="281" r:id="rId4"/>
+    <p:sldId id="257" r:id="rId5"/>
+    <p:sldId id="265" r:id="rId6"/>
+    <p:sldId id="264" r:id="rId7"/>
+    <p:sldId id="274" r:id="rId8"/>
+    <p:sldId id="261" r:id="rId9"/>
+    <p:sldId id="266" r:id="rId10"/>
+    <p:sldId id="278" r:id="rId11"/>
+    <p:sldId id="280" r:id="rId12"/>
+    <p:sldId id="279" r:id="rId13"/>
+    <p:sldId id="276" r:id="rId14"/>
+    <p:sldId id="277" r:id="rId15"/>
+    <p:sldId id="267" r:id="rId16"/>
+    <p:sldId id="268" r:id="rId17"/>
+    <p:sldId id="275" r:id="rId18"/>
+    <p:sldId id="269" r:id="rId19"/>
+    <p:sldId id="271" r:id="rId20"/>
+    <p:sldId id="263" r:id="rId21"/>
   </p:sldIdLst>
   <p:sldSz cx="9144000" cy="6858000" type="screen4x3"/>
   <p:notesSz cx="6858000" cy="9144000"/>
@@ -147,11 +149,126 @@
 </file>
 
 <file path=ppt/revisionInfo.xml><?xml version="1.0" encoding="utf-8"?>
-<p1510:revInfo xmlns:a="http://schemas.openxmlformats.org/drawingml/2006/main" xmlns:r="http://schemas.openxmlformats.org/officeDocument/2006/relationships" xmlns:p1510="http://schemas.microsoft.com/office/powerpoint/2015/10/main">
-  <p1510:revLst>
-    <p1510:client id="{9DCE8178-D8DE-4672-9C2F-99332F48E676}" v="49" dt="2017-04-23T17:53:21.203"/>
-  </p1510:revLst>
-</p1510:revInfo>
+<p1510:revInfo xmlns:a="http://schemas.openxmlformats.org/drawingml/2006/main" xmlns:r="http://schemas.openxmlformats.org/officeDocument/2006/relationships" xmlns:p1510="http://schemas.microsoft.com/office/powerpoint/2015/10/main"/>
+</file>
+
+<file path=ppt/changesInfos/changesInfo1.xml><?xml version="1.0" encoding="utf-8"?>
+<pc:chgInfo xmlns:a="http://schemas.openxmlformats.org/drawingml/2006/main" xmlns:r="http://schemas.openxmlformats.org/officeDocument/2006/relationships" xmlns:ac="http://schemas.microsoft.com/office/drawing/2013/main/command" xmlns:pc="http://schemas.microsoft.com/office/powerpoint/2013/main/command">
+  <pc:docChgLst>
+    <pc:chgData name="Tomáš Jurásek" userId="bed34b7082af1b23" providerId="LiveId" clId="{85CFC568-094D-4D76-B3BA-DCF95377E2E5}"/>
+    <pc:docChg chg="undo custSel addSld delSld modSld sldOrd">
+      <pc:chgData name="Tomáš Jurásek" userId="bed34b7082af1b23" providerId="LiveId" clId="{85CFC568-094D-4D76-B3BA-DCF95377E2E5}" dt="2017-10-29T09:38:30.419" v="871" actId="20577"/>
+      <pc:docMkLst>
+        <pc:docMk/>
+      </pc:docMkLst>
+      <pc:sldChg chg="modSp">
+        <pc:chgData name="Tomáš Jurásek" userId="bed34b7082af1b23" providerId="LiveId" clId="{85CFC568-094D-4D76-B3BA-DCF95377E2E5}" dt="2017-10-28T13:13:49.106" v="121" actId="20577"/>
+        <pc:sldMkLst>
+          <pc:docMk/>
+          <pc:sldMk cId="2520324001" sldId="256"/>
+        </pc:sldMkLst>
+        <pc:spChg chg="mod">
+          <ac:chgData name="Tomáš Jurásek" userId="bed34b7082af1b23" providerId="LiveId" clId="{85CFC568-094D-4D76-B3BA-DCF95377E2E5}" dt="2017-10-28T13:13:49.106" v="121" actId="20577"/>
+          <ac:spMkLst>
+            <pc:docMk/>
+            <pc:sldMk cId="2520324001" sldId="256"/>
+            <ac:spMk id="5" creationId="{00000000-0000-0000-0000-000000000000}"/>
+          </ac:spMkLst>
+        </pc:spChg>
+      </pc:sldChg>
+      <pc:sldChg chg="ord">
+        <pc:chgData name="Tomáš Jurásek" userId="bed34b7082af1b23" providerId="LiveId" clId="{85CFC568-094D-4D76-B3BA-DCF95377E2E5}" dt="2017-10-28T13:41:35.961" v="124" actId="20577"/>
+        <pc:sldMkLst>
+          <pc:docMk/>
+          <pc:sldMk cId="3263510836" sldId="266"/>
+        </pc:sldMkLst>
+      </pc:sldChg>
+      <pc:sldChg chg="del">
+        <pc:chgData name="Tomáš Jurásek" userId="bed34b7082af1b23" providerId="LiveId" clId="{85CFC568-094D-4D76-B3BA-DCF95377E2E5}" dt="2017-10-28T13:21:30.381" v="122" actId="2696"/>
+        <pc:sldMkLst>
+          <pc:docMk/>
+          <pc:sldMk cId="4061824095" sldId="273"/>
+        </pc:sldMkLst>
+      </pc:sldChg>
+      <pc:sldChg chg="modSp">
+        <pc:chgData name="Tomáš Jurásek" userId="bed34b7082af1b23" providerId="LiveId" clId="{85CFC568-094D-4D76-B3BA-DCF95377E2E5}" dt="2017-09-09T19:20:58.873" v="1" actId="15"/>
+        <pc:sldMkLst>
+          <pc:docMk/>
+          <pc:sldMk cId="1214559363" sldId="276"/>
+        </pc:sldMkLst>
+        <pc:spChg chg="mod">
+          <ac:chgData name="Tomáš Jurásek" userId="bed34b7082af1b23" providerId="LiveId" clId="{85CFC568-094D-4D76-B3BA-DCF95377E2E5}" dt="2017-09-09T19:20:58.873" v="1" actId="15"/>
+          <ac:spMkLst>
+            <pc:docMk/>
+            <pc:sldMk cId="1214559363" sldId="276"/>
+            <ac:spMk id="5" creationId="{00000000-0000-0000-0000-000000000000}"/>
+          </ac:spMkLst>
+        </pc:spChg>
+      </pc:sldChg>
+      <pc:sldChg chg="modSp add">
+        <pc:chgData name="Tomáš Jurásek" userId="bed34b7082af1b23" providerId="LiveId" clId="{85CFC568-094D-4D76-B3BA-DCF95377E2E5}" dt="2017-10-28T13:42:17.693" v="211" actId="20577"/>
+        <pc:sldMkLst>
+          <pc:docMk/>
+          <pc:sldMk cId="2361562548" sldId="279"/>
+        </pc:sldMkLst>
+        <pc:spChg chg="mod">
+          <ac:chgData name="Tomáš Jurásek" userId="bed34b7082af1b23" providerId="LiveId" clId="{85CFC568-094D-4D76-B3BA-DCF95377E2E5}" dt="2017-10-28T13:42:17.693" v="211" actId="20577"/>
+          <ac:spMkLst>
+            <pc:docMk/>
+            <pc:sldMk cId="2361562548" sldId="279"/>
+            <ac:spMk id="2" creationId="{05642C0D-C889-4B27-B12A-8159C77B125A}"/>
+          </ac:spMkLst>
+        </pc:spChg>
+      </pc:sldChg>
+      <pc:sldChg chg="modSp add ord">
+        <pc:chgData name="Tomáš Jurásek" userId="bed34b7082af1b23" providerId="LiveId" clId="{85CFC568-094D-4D76-B3BA-DCF95377E2E5}" dt="2017-10-28T13:48:07.233" v="408" actId="27636"/>
+        <pc:sldMkLst>
+          <pc:docMk/>
+          <pc:sldMk cId="3297094092" sldId="280"/>
+        </pc:sldMkLst>
+        <pc:spChg chg="mod">
+          <ac:chgData name="Tomáš Jurásek" userId="bed34b7082af1b23" providerId="LiveId" clId="{85CFC568-094D-4D76-B3BA-DCF95377E2E5}" dt="2017-10-28T13:41:43.609" v="134" actId="20577"/>
+          <ac:spMkLst>
+            <pc:docMk/>
+            <pc:sldMk cId="3297094092" sldId="280"/>
+            <ac:spMk id="4" creationId="{00000000-0000-0000-0000-000000000000}"/>
+          </ac:spMkLst>
+        </pc:spChg>
+        <pc:spChg chg="mod">
+          <ac:chgData name="Tomáš Jurásek" userId="bed34b7082af1b23" providerId="LiveId" clId="{85CFC568-094D-4D76-B3BA-DCF95377E2E5}" dt="2017-10-28T13:48:07.233" v="408" actId="27636"/>
+          <ac:spMkLst>
+            <pc:docMk/>
+            <pc:sldMk cId="3297094092" sldId="280"/>
+            <ac:spMk id="5" creationId="{00000000-0000-0000-0000-000000000000}"/>
+          </ac:spMkLst>
+        </pc:spChg>
+      </pc:sldChg>
+      <pc:sldChg chg="modSp add ord">
+        <pc:chgData name="Tomáš Jurásek" userId="bed34b7082af1b23" providerId="LiveId" clId="{85CFC568-094D-4D76-B3BA-DCF95377E2E5}" dt="2017-10-29T09:38:30.419" v="871" actId="20577"/>
+        <pc:sldMkLst>
+          <pc:docMk/>
+          <pc:sldMk cId="2622176414" sldId="281"/>
+        </pc:sldMkLst>
+        <pc:spChg chg="mod">
+          <ac:chgData name="Tomáš Jurásek" userId="bed34b7082af1b23" providerId="LiveId" clId="{85CFC568-094D-4D76-B3BA-DCF95377E2E5}" dt="2017-10-29T08:59:50.570" v="437" actId="20577"/>
+          <ac:spMkLst>
+            <pc:docMk/>
+            <pc:sldMk cId="2622176414" sldId="281"/>
+            <ac:spMk id="4" creationId="{00000000-0000-0000-0000-000000000000}"/>
+          </ac:spMkLst>
+        </pc:spChg>
+        <pc:spChg chg="mod">
+          <ac:chgData name="Tomáš Jurásek" userId="bed34b7082af1b23" providerId="LiveId" clId="{85CFC568-094D-4D76-B3BA-DCF95377E2E5}" dt="2017-10-29T09:38:30.419" v="871" actId="20577"/>
+          <ac:spMkLst>
+            <pc:docMk/>
+            <pc:sldMk cId="2622176414" sldId="281"/>
+            <ac:spMk id="5" creationId="{00000000-0000-0000-0000-000000000000}"/>
+          </ac:spMkLst>
+        </pc:spChg>
+      </pc:sldChg>
+    </pc:docChg>
+  </pc:docChgLst>
+</pc:chgInfo>
 </file>
 
 <file path=ppt/notesMasters/notesMaster1.xml><?xml version="1.0" encoding="utf-8"?>
@@ -236,7 +353,7 @@
           <a:p>
             <a:fld id="{769D9D34-EBDF-444B-8E61-3132A89E4FC2}" type="datetimeFigureOut">
               <a:rPr lang="cs-CZ" smtClean="0"/>
-              <a:t>24.04.2017</a:t>
+              <a:t>31.10.2017</a:t>
             </a:fld>
             <a:endParaRPr lang="cs-CZ"/>
           </a:p>
@@ -1001,7 +1118,7 @@
           <a:p>
             <a:fld id="{E7B4EAE2-05D7-4CED-BE1F-5C52B46909EC}" type="datetimeFigureOut">
               <a:rPr lang="cs-CZ" smtClean="0"/>
-              <a:t>24.04.2017</a:t>
+              <a:t>31.10.2017</a:t>
             </a:fld>
             <a:endParaRPr lang="cs-CZ"/>
           </a:p>
@@ -1432,7 +1549,7 @@
           <a:p>
             <a:fld id="{E7B4EAE2-05D7-4CED-BE1F-5C52B46909EC}" type="datetimeFigureOut">
               <a:rPr lang="cs-CZ" smtClean="0"/>
-              <a:t>24.04.2017</a:t>
+              <a:t>31.10.2017</a:t>
             </a:fld>
             <a:endParaRPr lang="cs-CZ"/>
           </a:p>
@@ -1561,7 +1678,7 @@
           <a:p>
             <a:fld id="{E7B4EAE2-05D7-4CED-BE1F-5C52B46909EC}" type="datetimeFigureOut">
               <a:rPr lang="cs-CZ" smtClean="0"/>
-              <a:t>24.04.2017</a:t>
+              <a:t>31.10.2017</a:t>
             </a:fld>
             <a:endParaRPr lang="cs-CZ"/>
           </a:p>
@@ -1668,7 +1785,7 @@
           <a:p>
             <a:fld id="{E7B4EAE2-05D7-4CED-BE1F-5C52B46909EC}" type="datetimeFigureOut">
               <a:rPr lang="cs-CZ" smtClean="0"/>
-              <a:t>24.04.2017</a:t>
+              <a:t>31.10.2017</a:t>
             </a:fld>
             <a:endParaRPr lang="cs-CZ"/>
           </a:p>
@@ -1955,7 +2072,7 @@
           <a:p>
             <a:fld id="{E7B4EAE2-05D7-4CED-BE1F-5C52B46909EC}" type="datetimeFigureOut">
               <a:rPr lang="cs-CZ" smtClean="0"/>
-              <a:t>24.04.2017</a:t>
+              <a:t>31.10.2017</a:t>
             </a:fld>
             <a:endParaRPr lang="cs-CZ"/>
           </a:p>
@@ -2219,7 +2336,7 @@
           <a:p>
             <a:fld id="{E7B4EAE2-05D7-4CED-BE1F-5C52B46909EC}" type="datetimeFigureOut">
               <a:rPr lang="cs-CZ" smtClean="0"/>
-              <a:t>24.04.2017</a:t>
+              <a:t>31.10.2017</a:t>
             </a:fld>
             <a:endParaRPr lang="cs-CZ"/>
           </a:p>
@@ -2399,7 +2516,7 @@
           <a:p>
             <a:fld id="{E7B4EAE2-05D7-4CED-BE1F-5C52B46909EC}" type="datetimeFigureOut">
               <a:rPr lang="cs-CZ" smtClean="0"/>
-              <a:t>24.04.2017</a:t>
+              <a:t>31.10.2017</a:t>
             </a:fld>
             <a:endParaRPr lang="cs-CZ"/>
           </a:p>
@@ -2589,7 +2706,7 @@
           <a:p>
             <a:fld id="{E7B4EAE2-05D7-4CED-BE1F-5C52B46909EC}" type="datetimeFigureOut">
               <a:rPr lang="cs-CZ" smtClean="0"/>
-              <a:t>24.04.2017</a:t>
+              <a:t>31.10.2017</a:t>
             </a:fld>
             <a:endParaRPr lang="cs-CZ"/>
           </a:p>
@@ -3185,7 +3302,7 @@
           <a:p>
             <a:fld id="{E7B4EAE2-05D7-4CED-BE1F-5C52B46909EC}" type="datetimeFigureOut">
               <a:rPr lang="cs-CZ" smtClean="0"/>
-              <a:t>24.04.2017</a:t>
+              <a:t>31.10.2017</a:t>
             </a:fld>
             <a:endParaRPr lang="cs-CZ"/>
           </a:p>
@@ -3442,7 +3559,7 @@
           <a:p>
             <a:fld id="{E7B4EAE2-05D7-4CED-BE1F-5C52B46909EC}" type="datetimeFigureOut">
               <a:rPr lang="cs-CZ" smtClean="0"/>
-              <a:t>24.04.2017</a:t>
+              <a:t>31.10.2017</a:t>
             </a:fld>
             <a:endParaRPr lang="cs-CZ"/>
           </a:p>
@@ -4232,7 +4349,7 @@
           <a:p>
             <a:fld id="{E7B4EAE2-05D7-4CED-BE1F-5C52B46909EC}" type="datetimeFigureOut">
               <a:rPr lang="cs-CZ" smtClean="0"/>
-              <a:t>24.04.2017</a:t>
+              <a:t>31.10.2017</a:t>
             </a:fld>
             <a:endParaRPr lang="cs-CZ"/>
           </a:p>
@@ -4483,7 +4600,7 @@
           <a:p>
             <a:fld id="{E7B4EAE2-05D7-4CED-BE1F-5C52B46909EC}" type="datetimeFigureOut">
               <a:rPr lang="cs-CZ" smtClean="0"/>
-              <a:t>24.04.2017</a:t>
+              <a:t>31.10.2017</a:t>
             </a:fld>
             <a:endParaRPr lang="cs-CZ"/>
           </a:p>
@@ -4712,7 +4829,7 @@
             <a:fld id="{E7B4EAE2-05D7-4CED-BE1F-5C52B46909EC}" type="datetimeFigureOut">
               <a:rPr lang="cs-CZ" smtClean="0"/>
               <a:pPr/>
-              <a:t>24.04.2017</a:t>
+              <a:t>31.10.2017</a:t>
             </a:fld>
             <a:endParaRPr lang="cs-CZ"/>
           </a:p>
@@ -5348,7 +5465,7 @@
             <a:fld id="{E7B4EAE2-05D7-4CED-BE1F-5C52B46909EC}" type="datetimeFigureOut">
               <a:rPr lang="cs-CZ" smtClean="0"/>
               <a:pPr/>
-              <a:t>24.04.2017</a:t>
+              <a:t>31.10.2017</a:t>
             </a:fld>
             <a:endParaRPr lang="cs-CZ"/>
           </a:p>
@@ -5919,7 +6036,7 @@
                 <a:latin typeface="Segoe UI Semilight"/>
                 <a:cs typeface="+mn-cs"/>
               </a:rPr>
-              <a:t>Vývojář</a:t>
+              <a:t>.NET Developer, Microsoft Student Partner</a:t>
             </a:r>
           </a:p>
           <a:p>
@@ -6009,26 +6126,212 @@
         </p:nvSpPr>
         <p:spPr/>
         <p:txBody>
+          <a:bodyPr/>
+          <a:lstStyle/>
+          <a:p>
+            <a:r>
+              <a:rPr lang="cs-CZ" dirty="0"/>
+              <a:t>Validace</a:t>
+            </a:r>
+          </a:p>
+        </p:txBody>
+      </p:sp>
+      <p:sp>
+        <p:nvSpPr>
+          <p:cNvPr id="5" name="Content Placeholder 4"/>
+          <p:cNvSpPr>
+            <a:spLocks noGrp="1"/>
+          </p:cNvSpPr>
+          <p:nvPr>
+            <p:ph idx="1"/>
+          </p:nvPr>
+        </p:nvSpPr>
+        <p:spPr>
+          <a:xfrm>
+            <a:off x="323528" y="1391123"/>
+            <a:ext cx="8229600" cy="4525963"/>
+          </a:xfrm>
+        </p:spPr>
+        <p:txBody>
           <a:bodyPr>
-            <a:normAutofit/>
+            <a:normAutofit lnSpcReduction="10000"/>
           </a:bodyPr>
           <a:lstStyle/>
           <a:p>
             <a:r>
+              <a:rPr lang="cs-CZ" dirty="0"/>
+              <a:t>Podpora validačních atributů </a:t>
+            </a:r>
+          </a:p>
+          <a:p>
+            <a:pPr lvl="1"/>
+            <a:r>
               <a:rPr lang="cs-CZ" dirty="0" err="1"/>
-              <a:t>DataContext</a:t>
-            </a:r>
-            <a:r>
-              <a:rPr lang="cs-CZ" dirty="0"/>
+              <a:t>Required</a:t>
+            </a:r>
+            <a:r>
+              <a:rPr lang="cs-CZ" dirty="0"/>
+              <a:t>, </a:t>
+            </a:r>
+            <a:r>
+              <a:rPr lang="cs-CZ" dirty="0" err="1"/>
+              <a:t>EmailAddress</a:t>
+            </a:r>
+            <a:r>
+              <a:rPr lang="cs-CZ" dirty="0"/>
+              <a:t>, ….</a:t>
+            </a:r>
+          </a:p>
+          <a:p>
+            <a:r>
+              <a:rPr lang="cs-CZ" dirty="0"/>
+              <a:t>Pro složité validace </a:t>
+            </a:r>
+            <a:r>
+              <a:rPr lang="cs-CZ" dirty="0" err="1"/>
+              <a:t>IValidatableObject</a:t>
+            </a:r>
+            <a:endParaRPr lang="cs-CZ" dirty="0"/>
+          </a:p>
+          <a:p>
+            <a:endParaRPr lang="cs-CZ" dirty="0"/>
+          </a:p>
+          <a:p>
+            <a:r>
+              <a:rPr lang="cs-CZ" dirty="0"/>
+              <a:t>Použití</a:t>
+            </a:r>
+          </a:p>
+          <a:p>
+            <a:pPr marL="457200" lvl="1" indent="0">
+              <a:buNone/>
+            </a:pPr>
+            <a:r>
+              <a:rPr lang="cs-CZ" sz="1900" dirty="0"/>
+              <a:t>&lt;</a:t>
+            </a:r>
+            <a:r>
+              <a:rPr lang="cs-CZ" sz="1900" dirty="0" err="1"/>
+              <a:t>dot:Validator</a:t>
+            </a:r>
+            <a:r>
+              <a:rPr lang="cs-CZ" sz="1900" dirty="0"/>
               <a:t> </a:t>
             </a:r>
+            <a:r>
+              <a:rPr lang="cs-CZ" sz="1900" dirty="0" err="1"/>
+              <a:t>Value</a:t>
+            </a:r>
+            <a:r>
+              <a:rPr lang="cs-CZ" sz="1900" dirty="0"/>
+              <a:t>="{</a:t>
+            </a:r>
+            <a:r>
+              <a:rPr lang="cs-CZ" sz="1900" dirty="0" err="1"/>
+              <a:t>value:NewTaskTitle</a:t>
+            </a:r>
+            <a:r>
+              <a:rPr lang="cs-CZ" sz="1900" dirty="0"/>
+              <a:t>}"&gt;*&lt;/</a:t>
+            </a:r>
+            <a:r>
+              <a:rPr lang="cs-CZ" sz="1900" dirty="0" err="1"/>
+              <a:t>dot:Validator</a:t>
+            </a:r>
+            <a:r>
+              <a:rPr lang="cs-CZ" sz="1900" dirty="0"/>
+              <a:t>&gt;</a:t>
+            </a:r>
+          </a:p>
+          <a:p>
+            <a:pPr marL="457200" lvl="1" indent="0">
+              <a:buNone/>
+            </a:pPr>
+            <a:endParaRPr lang="cs-CZ" sz="1900" dirty="0"/>
+          </a:p>
+          <a:p>
+            <a:pPr marL="457200" lvl="1" indent="0">
+              <a:buNone/>
+            </a:pPr>
+            <a:r>
+              <a:rPr lang="cs-CZ" sz="1900" dirty="0"/>
+              <a:t>&lt;div </a:t>
+            </a:r>
+            <a:r>
+              <a:rPr lang="cs-CZ" sz="1900" dirty="0" err="1"/>
+              <a:t>Validator.InvalidCssClass</a:t>
+            </a:r>
+            <a:r>
+              <a:rPr lang="cs-CZ" sz="1900" dirty="0"/>
+              <a:t>="has-</a:t>
+            </a:r>
+            <a:r>
+              <a:rPr lang="cs-CZ" sz="1900" dirty="0" err="1"/>
+              <a:t>error</a:t>
+            </a:r>
+            <a:r>
+              <a:rPr lang="cs-CZ" sz="1900" dirty="0"/>
+              <a:t>" </a:t>
+            </a:r>
+            <a:r>
+              <a:rPr lang="cs-CZ" sz="1900" dirty="0" err="1"/>
+              <a:t>Validator.Value</a:t>
+            </a:r>
+            <a:r>
+              <a:rPr lang="cs-CZ" sz="1900" dirty="0"/>
+              <a:t>="{</a:t>
+            </a:r>
+            <a:r>
+              <a:rPr lang="cs-CZ" sz="1900" dirty="0" err="1"/>
+              <a:t>value</a:t>
+            </a:r>
+            <a:r>
+              <a:rPr lang="cs-CZ" sz="1900" dirty="0"/>
+              <a:t>: </a:t>
+            </a:r>
+            <a:r>
+              <a:rPr lang="cs-CZ" sz="1900" dirty="0" err="1"/>
+              <a:t>FirstName</a:t>
+            </a:r>
+            <a:r>
+              <a:rPr lang="cs-CZ" sz="1900" dirty="0"/>
+              <a:t>}"&gt;</a:t>
+            </a:r>
+            <a:br>
+              <a:rPr lang="cs-CZ" sz="1900" dirty="0"/>
+            </a:br>
+            <a:r>
+              <a:rPr lang="cs-CZ" sz="1900" dirty="0" err="1"/>
+              <a:t>your</a:t>
+            </a:r>
+            <a:r>
+              <a:rPr lang="cs-CZ" sz="1900" dirty="0"/>
+              <a:t> </a:t>
+            </a:r>
+            <a:r>
+              <a:rPr lang="cs-CZ" sz="1900" dirty="0" err="1"/>
+              <a:t>content</a:t>
+            </a:r>
+            <a:br>
+              <a:rPr lang="cs-CZ" sz="1900" dirty="0"/>
+            </a:br>
+            <a:r>
+              <a:rPr lang="cs-CZ" sz="1900" dirty="0"/>
+              <a:t>&lt;/div&gt;</a:t>
+            </a:r>
+          </a:p>
+          <a:p>
+            <a:pPr marL="457200" lvl="1" indent="0">
+              <a:buNone/>
+            </a:pPr>
+            <a:endParaRPr lang="cs-CZ" dirty="0"/>
           </a:p>
         </p:txBody>
       </p:sp>
     </p:spTree>
     <p:extLst>
       <p:ext uri="{BB962C8B-B14F-4D97-AF65-F5344CB8AC3E}">
-        <p14:creationId xmlns:p14="http://schemas.microsoft.com/office/powerpoint/2010/main" val="4136486918"/>
+        <p14:creationId xmlns:p14="http://schemas.microsoft.com/office/powerpoint/2010/main" val="3297094092"/>
       </p:ext>
     </p:extLst>
   </p:cSld>
@@ -6069,7 +6372,13 @@
       </p:grpSpPr>
       <p:sp>
         <p:nvSpPr>
-          <p:cNvPr id="4" name="Title 3"/>
+          <p:cNvPr id="2" name="Nadpis 1">
+            <a:extLst>
+              <a:ext uri="{FF2B5EF4-FFF2-40B4-BE49-F238E27FC236}">
+                <a16:creationId xmlns:a16="http://schemas.microsoft.com/office/drawing/2014/main" id="{05642C0D-C889-4B27-B12A-8159C77B125A}"/>
+              </a:ext>
+            </a:extLst>
+          </p:cNvPr>
           <p:cNvSpPr>
             <a:spLocks noGrp="1"/>
           </p:cNvSpPr>
@@ -6084,108 +6393,15 @@
           <a:p>
             <a:r>
               <a:rPr lang="cs-CZ" dirty="0"/>
-              <a:t>Komponenty</a:t>
-            </a:r>
-          </a:p>
-        </p:txBody>
-      </p:sp>
-      <p:sp>
-        <p:nvSpPr>
-          <p:cNvPr id="5" name="Content Placeholder 4"/>
-          <p:cNvSpPr>
-            <a:spLocks noGrp="1"/>
-          </p:cNvSpPr>
-          <p:nvPr>
-            <p:ph idx="1"/>
-          </p:nvPr>
-        </p:nvSpPr>
-        <p:spPr>
-          <a:xfrm>
-            <a:off x="323528" y="1391123"/>
-            <a:ext cx="8229600" cy="4525963"/>
-          </a:xfrm>
-        </p:spPr>
-        <p:txBody>
-          <a:bodyPr>
-            <a:normAutofit/>
-          </a:bodyPr>
-          <a:lstStyle/>
-          <a:p>
-            <a:r>
-              <a:rPr lang="cs-CZ" dirty="0"/>
-              <a:t>Základní sada komponent</a:t>
-            </a:r>
-          </a:p>
-          <a:p>
-            <a:r>
-              <a:rPr lang="cs-CZ" dirty="0" err="1"/>
-              <a:t>Bootstrap</a:t>
-            </a:r>
-            <a:r>
-              <a:rPr lang="cs-CZ" dirty="0"/>
-              <a:t> komponenty</a:t>
-            </a:r>
-          </a:p>
-          <a:p>
-            <a:pPr lvl="1"/>
-            <a:r>
-              <a:rPr lang="cs-CZ" dirty="0">
-                <a:hlinkClick r:id="rId2"/>
-              </a:rPr>
-              <a:t>https://www.dotvvm.com/landing/bootstrap-for-dotvvm</a:t>
-            </a:r>
-            <a:endParaRPr lang="cs-CZ" dirty="0"/>
-          </a:p>
-          <a:p>
-            <a:r>
-              <a:rPr lang="cs-CZ" dirty="0"/>
-              <a:t>Business </a:t>
-            </a:r>
-            <a:r>
-              <a:rPr lang="cs-CZ" dirty="0" err="1"/>
-              <a:t>Pack</a:t>
-            </a:r>
-            <a:r>
-              <a:rPr lang="cs-CZ" dirty="0"/>
-              <a:t> komponenty</a:t>
-            </a:r>
-          </a:p>
-          <a:p>
-            <a:pPr lvl="1"/>
-            <a:r>
-              <a:rPr lang="cs-CZ" dirty="0"/>
-              <a:t>Beta verze</a:t>
-            </a:r>
-          </a:p>
-          <a:p>
-            <a:pPr lvl="1"/>
-            <a:r>
-              <a:rPr lang="cs-CZ" dirty="0">
-                <a:hlinkClick r:id="rId3"/>
-              </a:rPr>
-              <a:t>https://www.dotvvm.com/landing/business-pack</a:t>
-            </a:r>
-            <a:endParaRPr lang="cs-CZ" dirty="0"/>
-          </a:p>
-          <a:p>
-            <a:pPr marL="457200" lvl="1" indent="0">
-              <a:buNone/>
-            </a:pPr>
-            <a:endParaRPr lang="cs-CZ" dirty="0"/>
-          </a:p>
-          <a:p>
-            <a:endParaRPr lang="cs-CZ" dirty="0"/>
-          </a:p>
-          <a:p>
-            <a:pPr lvl="1"/>
-            <a:endParaRPr lang="cs-CZ" dirty="0"/>
+              <a:t>Validace</a:t>
+            </a:r>
           </a:p>
         </p:txBody>
       </p:sp>
     </p:spTree>
     <p:extLst>
       <p:ext uri="{BB962C8B-B14F-4D97-AF65-F5344CB8AC3E}">
-        <p14:creationId xmlns:p14="http://schemas.microsoft.com/office/powerpoint/2010/main" val="2370362146"/>
+        <p14:creationId xmlns:p14="http://schemas.microsoft.com/office/powerpoint/2010/main" val="2361562548"/>
       </p:ext>
     </p:extLst>
   </p:cSld>
@@ -6241,12 +6457,9 @@
           <a:p>
             <a:r>
               <a:rPr lang="cs-CZ" dirty="0" err="1"/>
-              <a:t>Použítí</a:t>
-            </a:r>
-            <a:r>
-              <a:rPr lang="cs-CZ" dirty="0"/>
-              <a:t> komponent</a:t>
-            </a:r>
+              <a:t>DataContext</a:t>
+            </a:r>
+            <a:endParaRPr lang="cs-CZ" dirty="0"/>
           </a:p>
         </p:txBody>
       </p:sp>
@@ -6262,112 +6475,158 @@
         </p:nvSpPr>
         <p:spPr>
           <a:xfrm>
-            <a:off x="482476" y="1700808"/>
+            <a:off x="323528" y="1391123"/>
             <a:ext cx="8229600" cy="4525963"/>
           </a:xfrm>
         </p:spPr>
         <p:txBody>
           <a:bodyPr>
-            <a:normAutofit/>
+            <a:normAutofit fontScale="92500" lnSpcReduction="10000"/>
           </a:bodyPr>
           <a:lstStyle/>
           <a:p>
-            <a:pPr marL="0" indent="0">
+            <a:r>
+              <a:rPr lang="cs-CZ" dirty="0"/>
+              <a:t>Změna kontextu ve </a:t>
+            </a:r>
+            <a:r>
+              <a:rPr lang="cs-CZ" dirty="0" err="1"/>
+              <a:t>View</a:t>
+            </a:r>
+            <a:endParaRPr lang="cs-CZ" dirty="0"/>
+          </a:p>
+          <a:p>
+            <a:r>
+              <a:rPr lang="cs-CZ" dirty="0"/>
+              <a:t>Přistupování k </a:t>
+            </a:r>
+            <a:r>
+              <a:rPr lang="cs-CZ" dirty="0" err="1"/>
+              <a:t>properties</a:t>
+            </a:r>
+            <a:r>
+              <a:rPr lang="cs-CZ" dirty="0"/>
+              <a:t> v </a:t>
+            </a:r>
+            <a:r>
+              <a:rPr lang="cs-CZ" dirty="0" err="1"/>
+              <a:t>DataContextu</a:t>
+            </a:r>
+            <a:endParaRPr lang="cs-CZ" dirty="0"/>
+          </a:p>
+          <a:p>
+            <a:pPr lvl="1"/>
+            <a:r>
+              <a:rPr lang="cs-CZ" dirty="0"/>
+              <a:t> _</a:t>
+            </a:r>
+            <a:r>
+              <a:rPr lang="cs-CZ" dirty="0" err="1"/>
+              <a:t>root</a:t>
+            </a:r>
+            <a:endParaRPr lang="cs-CZ" dirty="0"/>
+          </a:p>
+          <a:p>
+            <a:pPr lvl="1"/>
+            <a:r>
+              <a:rPr lang="cs-CZ" dirty="0"/>
+              <a:t> _</a:t>
+            </a:r>
+            <a:r>
+              <a:rPr lang="cs-CZ" dirty="0" err="1"/>
+              <a:t>parent</a:t>
+            </a:r>
+            <a:endParaRPr lang="cs-CZ" dirty="0"/>
+          </a:p>
+          <a:p>
+            <a:pPr lvl="1"/>
+            <a:r>
+              <a:rPr lang="cs-CZ" dirty="0"/>
+              <a:t> _</a:t>
+            </a:r>
+            <a:r>
+              <a:rPr lang="cs-CZ" dirty="0" err="1"/>
+              <a:t>this</a:t>
+            </a:r>
+            <a:endParaRPr lang="cs-CZ" dirty="0"/>
+          </a:p>
+          <a:p>
+            <a:pPr marL="457200" lvl="1" indent="0">
               <a:buNone/>
             </a:pPr>
-            <a:r>
-              <a:rPr lang="cs-CZ" dirty="0"/>
-              <a:t>&lt;</a:t>
+            <a:endParaRPr lang="cs-CZ" dirty="0"/>
+          </a:p>
+          <a:p>
+            <a:r>
+              <a:rPr lang="cs-CZ" dirty="0"/>
+              <a:t>Použití</a:t>
+            </a:r>
+          </a:p>
+          <a:p>
+            <a:pPr marL="457200" lvl="1" indent="0">
+              <a:buNone/>
+            </a:pPr>
+            <a:r>
+              <a:rPr lang="cs-CZ" dirty="0"/>
+              <a:t>&lt;div </a:t>
             </a:r>
             <a:r>
               <a:rPr lang="cs-CZ" dirty="0" err="1"/>
-              <a:t>dot:Button</a:t>
-            </a:r>
-            <a:r>
-              <a:rPr lang="cs-CZ" dirty="0"/>
-              <a:t> </a:t>
-            </a:r>
-          </a:p>
-          <a:p>
-            <a:pPr marL="0" indent="0">
-              <a:buNone/>
-            </a:pPr>
-            <a:r>
-              <a:rPr lang="cs-CZ" dirty="0"/>
-              <a:t>	</a:t>
+              <a:t>DataContext</a:t>
+            </a:r>
+            <a:r>
+              <a:rPr lang="cs-CZ" dirty="0"/>
+              <a:t>="{</a:t>
             </a:r>
             <a:r>
               <a:rPr lang="cs-CZ" dirty="0" err="1"/>
-              <a:t>Click</a:t>
-            </a:r>
-            <a:r>
-              <a:rPr lang="cs-CZ" dirty="0"/>
-              <a:t>="{</a:t>
+              <a:t>value</a:t>
+            </a:r>
+            <a:r>
+              <a:rPr lang="cs-CZ" dirty="0"/>
+              <a:t>: </a:t>
             </a:r>
             <a:r>
               <a:rPr lang="cs-CZ" dirty="0" err="1"/>
-              <a:t>command</a:t>
-            </a:r>
-            <a:r>
-              <a:rPr lang="cs-CZ" dirty="0"/>
-              <a:t>: </a:t>
+              <a:t>Customer</a:t>
+            </a:r>
+            <a:r>
+              <a:rPr lang="cs-CZ" dirty="0"/>
+              <a:t>}"&gt;</a:t>
+            </a:r>
+            <a:br>
+              <a:rPr lang="cs-CZ" dirty="0"/>
+            </a:br>
+            <a:r>
+              <a:rPr lang="cs-CZ" dirty="0"/>
+              <a:t>		{{</a:t>
             </a:r>
             <a:r>
               <a:rPr lang="cs-CZ" dirty="0" err="1"/>
-              <a:t>SetVisible</a:t>
-            </a:r>
-            <a:r>
-              <a:rPr lang="cs-CZ" dirty="0"/>
-              <a:t>()}" 			Text="</a:t>
-            </a:r>
-            <a:r>
-              <a:rPr lang="cs-CZ" dirty="0" err="1"/>
-              <a:t>Button</a:t>
-            </a:r>
-            <a:r>
-              <a:rPr lang="cs-CZ" dirty="0"/>
-              <a:t>" 	</a:t>
-            </a:r>
-            <a:r>
-              <a:rPr lang="cs-CZ" dirty="0" err="1"/>
-              <a:t>Enabled</a:t>
-            </a:r>
-            <a:r>
-              <a:rPr lang="cs-CZ" dirty="0"/>
-              <a:t>="{</a:t>
-            </a:r>
-            <a:r>
-              <a:rPr lang="cs-CZ" dirty="0" err="1"/>
-              <a:t>value:Enabled</a:t>
-            </a:r>
-            <a:r>
-              <a:rPr lang="cs-CZ" dirty="0"/>
-              <a:t>}"&gt;</a:t>
-            </a:r>
-          </a:p>
-          <a:p>
-            <a:pPr marL="0" indent="0">
-              <a:buNone/>
-            </a:pPr>
-            <a:r>
-              <a:rPr lang="cs-CZ" dirty="0"/>
-              <a:t>&lt;/</a:t>
-            </a:r>
-            <a:r>
-              <a:rPr lang="cs-CZ" dirty="0" err="1"/>
-              <a:t>dot:Button</a:t>
-            </a:r>
-            <a:r>
-              <a:rPr lang="cs-CZ" dirty="0"/>
-              <a:t>&gt;</a:t>
-            </a:r>
+              <a:t>value</a:t>
+            </a:r>
+            <a:r>
+              <a:rPr lang="cs-CZ" dirty="0"/>
+              <a:t>: Name}}</a:t>
+            </a:r>
+            <a:br>
+              <a:rPr lang="cs-CZ" dirty="0"/>
+            </a:br>
+            <a:r>
+              <a:rPr lang="cs-CZ" dirty="0"/>
+              <a:t>&lt;/div&gt;</a:t>
+            </a:r>
+          </a:p>
+          <a:p>
+            <a:pPr lvl="1"/>
+            <a:endParaRPr lang="cs-CZ" dirty="0"/>
           </a:p>
         </p:txBody>
       </p:sp>
     </p:spTree>
     <p:extLst>
       <p:ext uri="{BB962C8B-B14F-4D97-AF65-F5344CB8AC3E}">
-        <p14:creationId xmlns:p14="http://schemas.microsoft.com/office/powerpoint/2010/main" val="1441525964"/>
+        <p14:creationId xmlns:p14="http://schemas.microsoft.com/office/powerpoint/2010/main" val="1214559363"/>
       </p:ext>
     </p:extLst>
   </p:cSld>
@@ -6418,196 +6677,18 @@
         </p:nvSpPr>
         <p:spPr/>
         <p:txBody>
-          <a:bodyPr/>
-          <a:lstStyle/>
-          <a:p>
-            <a:endParaRPr lang="cs-CZ" dirty="0"/>
-          </a:p>
-        </p:txBody>
-      </p:sp>
-      <p:sp>
-        <p:nvSpPr>
-          <p:cNvPr id="5" name="Content Placeholder 4"/>
-          <p:cNvSpPr>
-            <a:spLocks noGrp="1"/>
-          </p:cNvSpPr>
-          <p:nvPr>
-            <p:ph idx="1"/>
-          </p:nvPr>
-        </p:nvSpPr>
-        <p:spPr>
-          <a:xfrm>
-            <a:off x="107504" y="1700808"/>
-            <a:ext cx="9145016" cy="4525963"/>
-          </a:xfrm>
-        </p:spPr>
-        <p:txBody>
           <a:bodyPr>
             <a:normAutofit/>
           </a:bodyPr>
           <a:lstStyle/>
           <a:p>
-            <a:pPr marL="0" indent="0">
-              <a:buNone/>
-            </a:pPr>
-            <a:r>
-              <a:rPr lang="cs-CZ" sz="2400" dirty="0"/>
-              <a:t>&lt;</a:t>
-            </a:r>
-            <a:r>
-              <a:rPr lang="cs-CZ" sz="2400" dirty="0" err="1"/>
-              <a:t>dot:GridView</a:t>
-            </a:r>
-            <a:r>
-              <a:rPr lang="cs-CZ" sz="2400" dirty="0"/>
+            <a:r>
+              <a:rPr lang="cs-CZ" dirty="0" err="1"/>
+              <a:t>DataContext</a:t>
+            </a:r>
+            <a:r>
+              <a:rPr lang="cs-CZ" dirty="0"/>
               <a:t> </a:t>
-            </a:r>
-            <a:r>
-              <a:rPr lang="cs-CZ" sz="2400" dirty="0" err="1"/>
-              <a:t>DataSource</a:t>
-            </a:r>
-            <a:r>
-              <a:rPr lang="cs-CZ" sz="2400" dirty="0"/>
-              <a:t>="{</a:t>
-            </a:r>
-            <a:r>
-              <a:rPr lang="cs-CZ" sz="2400" dirty="0" err="1"/>
-              <a:t>value</a:t>
-            </a:r>
-            <a:r>
-              <a:rPr lang="cs-CZ" sz="2400" dirty="0"/>
-              <a:t>: </a:t>
-            </a:r>
-            <a:r>
-              <a:rPr lang="cs-CZ" sz="2400" dirty="0" err="1"/>
-              <a:t>Customers</a:t>
-            </a:r>
-            <a:r>
-              <a:rPr lang="cs-CZ" sz="2400" dirty="0"/>
-              <a:t>}"&gt;</a:t>
-            </a:r>
-            <a:br>
-              <a:rPr lang="cs-CZ" sz="2400" dirty="0"/>
-            </a:br>
-            <a:r>
-              <a:rPr lang="cs-CZ" sz="2400" dirty="0"/>
-              <a:t>	&lt;</a:t>
-            </a:r>
-            <a:r>
-              <a:rPr lang="cs-CZ" sz="2400" dirty="0" err="1"/>
-              <a:t>Columns</a:t>
-            </a:r>
-            <a:r>
-              <a:rPr lang="cs-CZ" sz="2400" dirty="0"/>
-              <a:t>&gt;</a:t>
-            </a:r>
-            <a:br>
-              <a:rPr lang="cs-CZ" sz="2400" dirty="0"/>
-            </a:br>
-            <a:r>
-              <a:rPr lang="cs-CZ" sz="2400" dirty="0"/>
-              <a:t>	&lt;</a:t>
-            </a:r>
-            <a:r>
-              <a:rPr lang="cs-CZ" sz="2400" dirty="0" err="1"/>
-              <a:t>dot:GridViewTextColumn</a:t>
-            </a:r>
-            <a:r>
-              <a:rPr lang="cs-CZ" sz="2400" dirty="0"/>
-              <a:t> </a:t>
-            </a:r>
-            <a:r>
-              <a:rPr lang="cs-CZ" sz="2400" dirty="0" err="1"/>
-              <a:t>ValueBinding</a:t>
-            </a:r>
-            <a:r>
-              <a:rPr lang="cs-CZ" sz="2400" dirty="0"/>
-              <a:t>="{</a:t>
-            </a:r>
-            <a:r>
-              <a:rPr lang="cs-CZ" sz="2400" dirty="0" err="1"/>
-              <a:t>value</a:t>
-            </a:r>
-            <a:r>
-              <a:rPr lang="cs-CZ" sz="2400" dirty="0"/>
-              <a:t>: Id}" 					         </a:t>
-            </a:r>
-            <a:r>
-              <a:rPr lang="cs-CZ" sz="2400" dirty="0" err="1"/>
-              <a:t>HeaderText</a:t>
-            </a:r>
-            <a:r>
-              <a:rPr lang="cs-CZ" sz="2400" dirty="0"/>
-              <a:t>="ID"/&gt;</a:t>
-            </a:r>
-            <a:br>
-              <a:rPr lang="cs-CZ" sz="2400" dirty="0"/>
-            </a:br>
-            <a:r>
-              <a:rPr lang="cs-CZ" sz="2400" dirty="0"/>
-              <a:t>	&lt;</a:t>
-            </a:r>
-            <a:r>
-              <a:rPr lang="cs-CZ" sz="2400" dirty="0" err="1"/>
-              <a:t>dot:GridViewTextColumn</a:t>
-            </a:r>
-            <a:r>
-              <a:rPr lang="cs-CZ" sz="2400" dirty="0"/>
-              <a:t> </a:t>
-            </a:r>
-            <a:r>
-              <a:rPr lang="cs-CZ" sz="2400" dirty="0" err="1"/>
-              <a:t>ValueBinding</a:t>
-            </a:r>
-            <a:r>
-              <a:rPr lang="cs-CZ" sz="2400" dirty="0"/>
-              <a:t>="{</a:t>
-            </a:r>
-            <a:r>
-              <a:rPr lang="cs-CZ" sz="2400" dirty="0" err="1"/>
-              <a:t>value</a:t>
-            </a:r>
-            <a:r>
-              <a:rPr lang="cs-CZ" sz="2400" dirty="0"/>
-              <a:t>: Name}" 					          </a:t>
-            </a:r>
-            <a:r>
-              <a:rPr lang="cs-CZ" sz="2400" dirty="0" err="1"/>
-              <a:t>HeaderText</a:t>
-            </a:r>
-            <a:r>
-              <a:rPr lang="cs-CZ" sz="2400" dirty="0"/>
-              <a:t>="Name"/&gt;</a:t>
-            </a:r>
-            <a:br>
-              <a:rPr lang="cs-CZ" sz="2400" dirty="0"/>
-            </a:br>
-            <a:r>
-              <a:rPr lang="cs-CZ" sz="2400" dirty="0"/>
-              <a:t>	&lt;/</a:t>
-            </a:r>
-            <a:r>
-              <a:rPr lang="cs-CZ" sz="2400" dirty="0" err="1"/>
-              <a:t>Columns</a:t>
-            </a:r>
-            <a:r>
-              <a:rPr lang="cs-CZ" sz="2400" dirty="0"/>
-              <a:t>&gt;</a:t>
-            </a:r>
-            <a:br>
-              <a:rPr lang="cs-CZ" sz="2400" dirty="0"/>
-            </a:br>
-            <a:r>
-              <a:rPr lang="cs-CZ" sz="2400" dirty="0"/>
-              <a:t>&lt;/</a:t>
-            </a:r>
-            <a:r>
-              <a:rPr lang="cs-CZ" sz="2400" dirty="0" err="1"/>
-              <a:t>dot:GridView</a:t>
-            </a:r>
-            <a:r>
-              <a:rPr lang="cs-CZ" sz="2400" dirty="0"/>
-              <a:t>&gt;</a:t>
             </a:r>
           </a:p>
         </p:txBody>
@@ -6615,7 +6696,7 @@
     </p:spTree>
     <p:extLst>
       <p:ext uri="{BB962C8B-B14F-4D97-AF65-F5344CB8AC3E}">
-        <p14:creationId xmlns:p14="http://schemas.microsoft.com/office/powerpoint/2010/main" val="711060128"/>
+        <p14:creationId xmlns:p14="http://schemas.microsoft.com/office/powerpoint/2010/main" val="4136486918"/>
       </p:ext>
     </p:extLst>
   </p:cSld>
@@ -6666,6 +6747,33 @@
         </p:nvSpPr>
         <p:spPr/>
         <p:txBody>
+          <a:bodyPr/>
+          <a:lstStyle/>
+          <a:p>
+            <a:r>
+              <a:rPr lang="cs-CZ" dirty="0"/>
+              <a:t>Komponenty</a:t>
+            </a:r>
+          </a:p>
+        </p:txBody>
+      </p:sp>
+      <p:sp>
+        <p:nvSpPr>
+          <p:cNvPr id="5" name="Content Placeholder 4"/>
+          <p:cNvSpPr>
+            <a:spLocks noGrp="1"/>
+          </p:cNvSpPr>
+          <p:nvPr>
+            <p:ph idx="1"/>
+          </p:nvPr>
+        </p:nvSpPr>
+        <p:spPr>
+          <a:xfrm>
+            <a:off x="323528" y="1391123"/>
+            <a:ext cx="8229600" cy="4525963"/>
+          </a:xfrm>
+        </p:spPr>
+        <p:txBody>
           <a:bodyPr>
             <a:normAutofit/>
           </a:bodyPr>
@@ -6673,15 +6781,79 @@
           <a:p>
             <a:r>
               <a:rPr lang="cs-CZ" dirty="0"/>
-              <a:t>Použití komponent v aplikaci</a:t>
-            </a:r>
+              <a:t>Základní sada komponent</a:t>
+            </a:r>
+          </a:p>
+          <a:p>
+            <a:r>
+              <a:rPr lang="cs-CZ" dirty="0" err="1"/>
+              <a:t>Bootstrap</a:t>
+            </a:r>
+            <a:r>
+              <a:rPr lang="cs-CZ" dirty="0"/>
+              <a:t> komponenty</a:t>
+            </a:r>
+          </a:p>
+          <a:p>
+            <a:pPr lvl="1"/>
+            <a:r>
+              <a:rPr lang="cs-CZ" dirty="0">
+                <a:hlinkClick r:id="rId2"/>
+              </a:rPr>
+              <a:t>https://www.dotvvm.com/landing/bootstrap-for-dotvvm</a:t>
+            </a:r>
+            <a:endParaRPr lang="cs-CZ" dirty="0"/>
+          </a:p>
+          <a:p>
+            <a:r>
+              <a:rPr lang="cs-CZ" dirty="0"/>
+              <a:t>Business </a:t>
+            </a:r>
+            <a:r>
+              <a:rPr lang="cs-CZ" dirty="0" err="1"/>
+              <a:t>Pack</a:t>
+            </a:r>
+            <a:r>
+              <a:rPr lang="cs-CZ" dirty="0"/>
+              <a:t> komponenty</a:t>
+            </a:r>
+          </a:p>
+          <a:p>
+            <a:pPr lvl="1"/>
+            <a:r>
+              <a:rPr lang="cs-CZ" dirty="0"/>
+              <a:t>Beta verze</a:t>
+            </a:r>
+          </a:p>
+          <a:p>
+            <a:pPr lvl="1"/>
+            <a:r>
+              <a:rPr lang="cs-CZ" dirty="0">
+                <a:hlinkClick r:id="rId3"/>
+              </a:rPr>
+              <a:t>https://www.dotvvm.com/landing/business-pack</a:t>
+            </a:r>
+            <a:endParaRPr lang="cs-CZ" dirty="0"/>
+          </a:p>
+          <a:p>
+            <a:pPr marL="457200" lvl="1" indent="0">
+              <a:buNone/>
+            </a:pPr>
+            <a:endParaRPr lang="cs-CZ" dirty="0"/>
+          </a:p>
+          <a:p>
+            <a:endParaRPr lang="cs-CZ" dirty="0"/>
+          </a:p>
+          <a:p>
+            <a:pPr lvl="1"/>
+            <a:endParaRPr lang="cs-CZ" dirty="0"/>
           </a:p>
         </p:txBody>
       </p:sp>
     </p:spTree>
     <p:extLst>
       <p:ext uri="{BB962C8B-B14F-4D97-AF65-F5344CB8AC3E}">
-        <p14:creationId xmlns:p14="http://schemas.microsoft.com/office/powerpoint/2010/main" val="1690967075"/>
+        <p14:creationId xmlns:p14="http://schemas.microsoft.com/office/powerpoint/2010/main" val="2370362146"/>
       </p:ext>
     </p:extLst>
   </p:cSld>
@@ -6737,25 +6909,12 @@
           <a:p>
             <a:r>
               <a:rPr lang="cs-CZ" dirty="0" err="1"/>
-              <a:t>DotVVM</a:t>
-            </a:r>
-            <a:r>
-              <a:rPr lang="cs-CZ" dirty="0"/>
-              <a:t> </a:t>
-            </a:r>
-            <a:r>
-              <a:rPr lang="cs-CZ" dirty="0" err="1"/>
-              <a:t>Hands</a:t>
-            </a:r>
-            <a:r>
-              <a:rPr lang="cs-CZ" dirty="0"/>
-              <a:t> On </a:t>
-            </a:r>
-            <a:r>
-              <a:rPr lang="cs-CZ" dirty="0" err="1"/>
-              <a:t>Labs</a:t>
-            </a:r>
-            <a:endParaRPr lang="cs-CZ" dirty="0"/>
+              <a:t>Použítí</a:t>
+            </a:r>
+            <a:r>
+              <a:rPr lang="cs-CZ" dirty="0"/>
+              <a:t> komponent</a:t>
+            </a:r>
           </a:p>
         </p:txBody>
       </p:sp>
@@ -6771,7 +6930,7 @@
         </p:nvSpPr>
         <p:spPr>
           <a:xfrm>
-            <a:off x="323528" y="1391123"/>
+            <a:off x="482476" y="1700808"/>
             <a:ext cx="8229600" cy="4525963"/>
           </a:xfrm>
         </p:spPr>
@@ -6781,43 +6940,102 @@
           </a:bodyPr>
           <a:lstStyle/>
           <a:p>
-            <a:r>
-              <a:rPr lang="cs-CZ" dirty="0"/>
-              <a:t> 25.4 10:00 – 16:00</a:t>
-            </a:r>
-          </a:p>
-          <a:p>
-            <a:r>
-              <a:rPr lang="cs-CZ" dirty="0"/>
-              <a:t>Hybešova 61 Brno (</a:t>
+            <a:pPr marL="0" indent="0">
+              <a:buNone/>
+            </a:pPr>
+            <a:r>
+              <a:rPr lang="cs-CZ" dirty="0"/>
+              <a:t>&lt;</a:t>
             </a:r>
             <a:r>
               <a:rPr lang="cs-CZ" dirty="0" err="1"/>
-              <a:t>Riganti</a:t>
-            </a:r>
-            <a:r>
-              <a:rPr lang="cs-CZ" dirty="0"/>
-              <a:t>)</a:t>
-            </a:r>
-          </a:p>
-          <a:p>
-            <a:r>
-              <a:rPr lang="cs-CZ" dirty="0">
-                <a:hlinkClick r:id="rId2"/>
-              </a:rPr>
-              <a:t>https://www.geekcore.cz/events/6053</a:t>
-            </a:r>
-            <a:endParaRPr lang="cs-CZ" dirty="0"/>
-          </a:p>
-          <a:p>
-            <a:endParaRPr lang="cs-CZ" dirty="0"/>
+              <a:t>dot:Button</a:t>
+            </a:r>
+            <a:r>
+              <a:rPr lang="cs-CZ" dirty="0"/>
+              <a:t> </a:t>
+            </a:r>
+          </a:p>
+          <a:p>
+            <a:pPr marL="0" indent="0">
+              <a:buNone/>
+            </a:pPr>
+            <a:r>
+              <a:rPr lang="cs-CZ" dirty="0"/>
+              <a:t>	</a:t>
+            </a:r>
+            <a:r>
+              <a:rPr lang="cs-CZ" dirty="0" err="1"/>
+              <a:t>Click</a:t>
+            </a:r>
+            <a:r>
+              <a:rPr lang="cs-CZ" dirty="0"/>
+              <a:t>="{</a:t>
+            </a:r>
+            <a:r>
+              <a:rPr lang="cs-CZ" dirty="0" err="1"/>
+              <a:t>command</a:t>
+            </a:r>
+            <a:r>
+              <a:rPr lang="cs-CZ" dirty="0"/>
+              <a:t>: </a:t>
+            </a:r>
+            <a:r>
+              <a:rPr lang="cs-CZ" dirty="0" err="1"/>
+              <a:t>SetVisible</a:t>
+            </a:r>
+            <a:r>
+              <a:rPr lang="cs-CZ" dirty="0"/>
+              <a:t>()}" 			Text="</a:t>
+            </a:r>
+            <a:r>
+              <a:rPr lang="cs-CZ" dirty="0" err="1"/>
+              <a:t>Button</a:t>
+            </a:r>
+            <a:r>
+              <a:rPr lang="cs-CZ" dirty="0"/>
+              <a:t>" 	</a:t>
+            </a:r>
+            <a:r>
+              <a:rPr lang="cs-CZ" dirty="0" err="1"/>
+              <a:t>Enabled</a:t>
+            </a:r>
+            <a:r>
+              <a:rPr lang="cs-CZ" dirty="0"/>
+              <a:t>="{</a:t>
+            </a:r>
+            <a:r>
+              <a:rPr lang="cs-CZ" dirty="0" err="1"/>
+              <a:t>value:Enabled</a:t>
+            </a:r>
+            <a:r>
+              <a:rPr lang="cs-CZ" dirty="0"/>
+              <a:t>}"&gt;</a:t>
+            </a:r>
+          </a:p>
+          <a:p>
+            <a:pPr marL="0" indent="0">
+              <a:buNone/>
+            </a:pPr>
+            <a:r>
+              <a:rPr lang="cs-CZ" dirty="0"/>
+              <a:t>&lt;/</a:t>
+            </a:r>
+            <a:r>
+              <a:rPr lang="cs-CZ" dirty="0" err="1"/>
+              <a:t>dot:Button</a:t>
+            </a:r>
+            <a:r>
+              <a:rPr lang="cs-CZ" dirty="0"/>
+              <a:t>&gt;</a:t>
+            </a:r>
           </a:p>
         </p:txBody>
       </p:sp>
     </p:spTree>
     <p:extLst>
       <p:ext uri="{BB962C8B-B14F-4D97-AF65-F5344CB8AC3E}">
-        <p14:creationId xmlns:p14="http://schemas.microsoft.com/office/powerpoint/2010/main" val="4061824095"/>
+        <p14:creationId xmlns:p14="http://schemas.microsoft.com/office/powerpoint/2010/main" val="1441525964"/>
       </p:ext>
     </p:extLst>
   </p:cSld>
@@ -6871,6 +7089,320 @@
           <a:bodyPr/>
           <a:lstStyle/>
           <a:p>
+            <a:endParaRPr lang="cs-CZ" dirty="0"/>
+          </a:p>
+        </p:txBody>
+      </p:sp>
+      <p:sp>
+        <p:nvSpPr>
+          <p:cNvPr id="5" name="Content Placeholder 4"/>
+          <p:cNvSpPr>
+            <a:spLocks noGrp="1"/>
+          </p:cNvSpPr>
+          <p:nvPr>
+            <p:ph idx="1"/>
+          </p:nvPr>
+        </p:nvSpPr>
+        <p:spPr>
+          <a:xfrm>
+            <a:off x="107504" y="1700808"/>
+            <a:ext cx="9145016" cy="4525963"/>
+          </a:xfrm>
+        </p:spPr>
+        <p:txBody>
+          <a:bodyPr>
+            <a:normAutofit/>
+          </a:bodyPr>
+          <a:lstStyle/>
+          <a:p>
+            <a:pPr marL="0" indent="0">
+              <a:buNone/>
+            </a:pPr>
+            <a:r>
+              <a:rPr lang="cs-CZ" sz="2400" dirty="0"/>
+              <a:t>&lt;</a:t>
+            </a:r>
+            <a:r>
+              <a:rPr lang="cs-CZ" sz="2400" dirty="0" err="1"/>
+              <a:t>dot:GridView</a:t>
+            </a:r>
+            <a:r>
+              <a:rPr lang="cs-CZ" sz="2400" dirty="0"/>
+              <a:t> </a:t>
+            </a:r>
+            <a:r>
+              <a:rPr lang="cs-CZ" sz="2400" dirty="0" err="1"/>
+              <a:t>DataSource</a:t>
+            </a:r>
+            <a:r>
+              <a:rPr lang="cs-CZ" sz="2400" dirty="0"/>
+              <a:t>="{</a:t>
+            </a:r>
+            <a:r>
+              <a:rPr lang="cs-CZ" sz="2400" dirty="0" err="1"/>
+              <a:t>value</a:t>
+            </a:r>
+            <a:r>
+              <a:rPr lang="cs-CZ" sz="2400" dirty="0"/>
+              <a:t>: </a:t>
+            </a:r>
+            <a:r>
+              <a:rPr lang="cs-CZ" sz="2400" dirty="0" err="1"/>
+              <a:t>Customers</a:t>
+            </a:r>
+            <a:r>
+              <a:rPr lang="cs-CZ" sz="2400" dirty="0"/>
+              <a:t>}"&gt;</a:t>
+            </a:r>
+            <a:br>
+              <a:rPr lang="cs-CZ" sz="2400" dirty="0"/>
+            </a:br>
+            <a:r>
+              <a:rPr lang="cs-CZ" sz="2400" dirty="0"/>
+              <a:t>	&lt;</a:t>
+            </a:r>
+            <a:r>
+              <a:rPr lang="cs-CZ" sz="2400" dirty="0" err="1"/>
+              <a:t>Columns</a:t>
+            </a:r>
+            <a:r>
+              <a:rPr lang="cs-CZ" sz="2400" dirty="0"/>
+              <a:t>&gt;</a:t>
+            </a:r>
+            <a:br>
+              <a:rPr lang="cs-CZ" sz="2400" dirty="0"/>
+            </a:br>
+            <a:r>
+              <a:rPr lang="cs-CZ" sz="2400" dirty="0"/>
+              <a:t>	&lt;</a:t>
+            </a:r>
+            <a:r>
+              <a:rPr lang="cs-CZ" sz="2400" dirty="0" err="1"/>
+              <a:t>dot:GridViewTextColumn</a:t>
+            </a:r>
+            <a:r>
+              <a:rPr lang="cs-CZ" sz="2400" dirty="0"/>
+              <a:t> </a:t>
+            </a:r>
+            <a:r>
+              <a:rPr lang="cs-CZ" sz="2400" dirty="0" err="1"/>
+              <a:t>ValueBinding</a:t>
+            </a:r>
+            <a:r>
+              <a:rPr lang="cs-CZ" sz="2400" dirty="0"/>
+              <a:t>="{</a:t>
+            </a:r>
+            <a:r>
+              <a:rPr lang="cs-CZ" sz="2400" dirty="0" err="1"/>
+              <a:t>value</a:t>
+            </a:r>
+            <a:r>
+              <a:rPr lang="cs-CZ" sz="2400" dirty="0"/>
+              <a:t>: Id}" 					         </a:t>
+            </a:r>
+            <a:r>
+              <a:rPr lang="cs-CZ" sz="2400" dirty="0" err="1"/>
+              <a:t>HeaderText</a:t>
+            </a:r>
+            <a:r>
+              <a:rPr lang="cs-CZ" sz="2400" dirty="0"/>
+              <a:t>="ID"/&gt;</a:t>
+            </a:r>
+            <a:br>
+              <a:rPr lang="cs-CZ" sz="2400" dirty="0"/>
+            </a:br>
+            <a:r>
+              <a:rPr lang="cs-CZ" sz="2400" dirty="0"/>
+              <a:t>	&lt;</a:t>
+            </a:r>
+            <a:r>
+              <a:rPr lang="cs-CZ" sz="2400" dirty="0" err="1"/>
+              <a:t>dot:GridViewTextColumn</a:t>
+            </a:r>
+            <a:r>
+              <a:rPr lang="cs-CZ" sz="2400" dirty="0"/>
+              <a:t> </a:t>
+            </a:r>
+            <a:r>
+              <a:rPr lang="cs-CZ" sz="2400" dirty="0" err="1"/>
+              <a:t>ValueBinding</a:t>
+            </a:r>
+            <a:r>
+              <a:rPr lang="cs-CZ" sz="2400" dirty="0"/>
+              <a:t>="{</a:t>
+            </a:r>
+            <a:r>
+              <a:rPr lang="cs-CZ" sz="2400" dirty="0" err="1"/>
+              <a:t>value</a:t>
+            </a:r>
+            <a:r>
+              <a:rPr lang="cs-CZ" sz="2400" dirty="0"/>
+              <a:t>: Name}" 					          </a:t>
+            </a:r>
+            <a:r>
+              <a:rPr lang="cs-CZ" sz="2400" dirty="0" err="1"/>
+              <a:t>HeaderText</a:t>
+            </a:r>
+            <a:r>
+              <a:rPr lang="cs-CZ" sz="2400" dirty="0"/>
+              <a:t>="Name"/&gt;</a:t>
+            </a:r>
+            <a:br>
+              <a:rPr lang="cs-CZ" sz="2400" dirty="0"/>
+            </a:br>
+            <a:r>
+              <a:rPr lang="cs-CZ" sz="2400" dirty="0"/>
+              <a:t>	&lt;/</a:t>
+            </a:r>
+            <a:r>
+              <a:rPr lang="cs-CZ" sz="2400" dirty="0" err="1"/>
+              <a:t>Columns</a:t>
+            </a:r>
+            <a:r>
+              <a:rPr lang="cs-CZ" sz="2400" dirty="0"/>
+              <a:t>&gt;</a:t>
+            </a:r>
+            <a:br>
+              <a:rPr lang="cs-CZ" sz="2400" dirty="0"/>
+            </a:br>
+            <a:r>
+              <a:rPr lang="cs-CZ" sz="2400" dirty="0"/>
+              <a:t>&lt;/</a:t>
+            </a:r>
+            <a:r>
+              <a:rPr lang="cs-CZ" sz="2400" dirty="0" err="1"/>
+              <a:t>dot:GridView</a:t>
+            </a:r>
+            <a:r>
+              <a:rPr lang="cs-CZ" sz="2400" dirty="0"/>
+              <a:t>&gt;</a:t>
+            </a:r>
+          </a:p>
+        </p:txBody>
+      </p:sp>
+    </p:spTree>
+    <p:extLst>
+      <p:ext uri="{BB962C8B-B14F-4D97-AF65-F5344CB8AC3E}">
+        <p14:creationId xmlns:p14="http://schemas.microsoft.com/office/powerpoint/2010/main" val="711060128"/>
+      </p:ext>
+    </p:extLst>
+  </p:cSld>
+  <p:clrMapOvr>
+    <a:masterClrMapping/>
+  </p:clrMapOvr>
+  <mc:AlternateContent xmlns:mc="http://schemas.openxmlformats.org/markup-compatibility/2006" xmlns:p14="http://schemas.microsoft.com/office/powerpoint/2010/main">
+    <mc:Choice Requires="p14">
+      <p:transition spd="slow" p14:dur="1600">
+        <p14:prism isInverted="1"/>
+      </p:transition>
+    </mc:Choice>
+    <mc:Fallback xmlns="">
+      <p:transition spd="slow">
+        <p:fade/>
+      </p:transition>
+    </mc:Fallback>
+  </mc:AlternateContent>
+</p:sld>
+</file>
+
+<file path=ppt/slides/slide17.xml><?xml version="1.0" encoding="utf-8"?>
+<p:sld xmlns:a="http://schemas.openxmlformats.org/drawingml/2006/main" xmlns:r="http://schemas.openxmlformats.org/officeDocument/2006/relationships" xmlns:p="http://schemas.openxmlformats.org/presentationml/2006/main">
+  <p:cSld>
+    <p:spTree>
+      <p:nvGrpSpPr>
+        <p:cNvPr id="1" name=""/>
+        <p:cNvGrpSpPr/>
+        <p:nvPr/>
+      </p:nvGrpSpPr>
+      <p:grpSpPr>
+        <a:xfrm>
+          <a:off x="0" y="0"/>
+          <a:ext cx="0" cy="0"/>
+          <a:chOff x="0" y="0"/>
+          <a:chExt cx="0" cy="0"/>
+        </a:xfrm>
+      </p:grpSpPr>
+      <p:sp>
+        <p:nvSpPr>
+          <p:cNvPr id="4" name="Title 3"/>
+          <p:cNvSpPr>
+            <a:spLocks noGrp="1"/>
+          </p:cNvSpPr>
+          <p:nvPr>
+            <p:ph type="title"/>
+          </p:nvPr>
+        </p:nvSpPr>
+        <p:spPr/>
+        <p:txBody>
+          <a:bodyPr>
+            <a:normAutofit/>
+          </a:bodyPr>
+          <a:lstStyle/>
+          <a:p>
+            <a:r>
+              <a:rPr lang="cs-CZ" dirty="0"/>
+              <a:t>Použití komponent v aplikaci</a:t>
+            </a:r>
+          </a:p>
+        </p:txBody>
+      </p:sp>
+    </p:spTree>
+    <p:extLst>
+      <p:ext uri="{BB962C8B-B14F-4D97-AF65-F5344CB8AC3E}">
+        <p14:creationId xmlns:p14="http://schemas.microsoft.com/office/powerpoint/2010/main" val="1690967075"/>
+      </p:ext>
+    </p:extLst>
+  </p:cSld>
+  <p:clrMapOvr>
+    <a:masterClrMapping/>
+  </p:clrMapOvr>
+  <mc:AlternateContent xmlns:mc="http://schemas.openxmlformats.org/markup-compatibility/2006" xmlns:p14="http://schemas.microsoft.com/office/powerpoint/2010/main">
+    <mc:Choice Requires="p14">
+      <p:transition spd="slow" p14:dur="1600">
+        <p14:prism isInverted="1"/>
+      </p:transition>
+    </mc:Choice>
+    <mc:Fallback xmlns="">
+      <p:transition spd="slow">
+        <p:fade/>
+      </p:transition>
+    </mc:Fallback>
+  </mc:AlternateContent>
+</p:sld>
+</file>
+
+<file path=ppt/slides/slide18.xml><?xml version="1.0" encoding="utf-8"?>
+<p:sld xmlns:a="http://schemas.openxmlformats.org/drawingml/2006/main" xmlns:r="http://schemas.openxmlformats.org/officeDocument/2006/relationships" xmlns:p="http://schemas.openxmlformats.org/presentationml/2006/main">
+  <p:cSld>
+    <p:spTree>
+      <p:nvGrpSpPr>
+        <p:cNvPr id="1" name=""/>
+        <p:cNvGrpSpPr/>
+        <p:nvPr/>
+      </p:nvGrpSpPr>
+      <p:grpSpPr>
+        <a:xfrm>
+          <a:off x="0" y="0"/>
+          <a:ext cx="0" cy="0"/>
+          <a:chOff x="0" y="0"/>
+          <a:chExt cx="0" cy="0"/>
+        </a:xfrm>
+      </p:grpSpPr>
+      <p:sp>
+        <p:nvSpPr>
+          <p:cNvPr id="4" name="Title 3"/>
+          <p:cNvSpPr>
+            <a:spLocks noGrp="1"/>
+          </p:cNvSpPr>
+          <p:nvPr>
+            <p:ph type="title"/>
+          </p:nvPr>
+        </p:nvSpPr>
+        <p:spPr/>
+        <p:txBody>
+          <a:bodyPr/>
+          <a:lstStyle/>
+          <a:p>
             <a:r>
               <a:rPr lang="cs-CZ" dirty="0"/>
               <a:t>Zajímavé zdroje</a:t>
@@ -6978,7 +7510,7 @@
 </p:sld>
 </file>
 
-<file path=ppt/slides/slide17.xml><?xml version="1.0" encoding="utf-8"?>
+<file path=ppt/slides/slide19.xml><?xml version="1.0" encoding="utf-8"?>
 <p:sld xmlns:a="http://schemas.openxmlformats.org/drawingml/2006/main" xmlns:r="http://schemas.openxmlformats.org/officeDocument/2006/relationships" xmlns:p="http://schemas.openxmlformats.org/presentationml/2006/main">
   <p:cSld>
     <p:spTree>
@@ -7114,6 +7646,195 @@
         </p:nvSpPr>
         <p:spPr/>
         <p:txBody>
+          <a:bodyPr>
+            <a:normAutofit fontScale="90000"/>
+          </a:bodyPr>
+          <a:lstStyle/>
+          <a:p>
+            <a:r>
+              <a:rPr lang="cs-CZ" dirty="0"/>
+              <a:t>Dnešní možnosti vývoje v ASP.NET</a:t>
+            </a:r>
+          </a:p>
+        </p:txBody>
+      </p:sp>
+      <p:sp>
+        <p:nvSpPr>
+          <p:cNvPr id="5" name="Content Placeholder 4"/>
+          <p:cNvSpPr>
+            <a:spLocks noGrp="1"/>
+          </p:cNvSpPr>
+          <p:nvPr>
+            <p:ph idx="1"/>
+          </p:nvPr>
+        </p:nvSpPr>
+        <p:spPr/>
+        <p:txBody>
+          <a:bodyPr>
+            <a:normAutofit/>
+          </a:bodyPr>
+          <a:lstStyle/>
+          <a:p>
+            <a:r>
+              <a:rPr lang="cs-CZ" dirty="0"/>
+              <a:t>ASP.NET </a:t>
+            </a:r>
+            <a:r>
+              <a:rPr lang="cs-CZ" dirty="0" err="1"/>
+              <a:t>WebForms</a:t>
+            </a:r>
+            <a:endParaRPr lang="cs-CZ" dirty="0"/>
+          </a:p>
+          <a:p>
+            <a:pPr lvl="1"/>
+            <a:r>
+              <a:rPr lang="cs-CZ" dirty="0"/>
+              <a:t>Nepodporuje .NET </a:t>
+            </a:r>
+            <a:r>
+              <a:rPr lang="cs-CZ" dirty="0" err="1"/>
+              <a:t>Core</a:t>
+            </a:r>
+            <a:endParaRPr lang="cs-CZ" dirty="0"/>
+          </a:p>
+          <a:p>
+            <a:pPr lvl="1"/>
+            <a:r>
+              <a:rPr lang="cs-CZ" dirty="0" err="1"/>
+              <a:t>ViewState</a:t>
+            </a:r>
+            <a:endParaRPr lang="cs-CZ" dirty="0"/>
+          </a:p>
+          <a:p>
+            <a:r>
+              <a:rPr lang="cs-CZ" dirty="0"/>
+              <a:t>ASP.NET MVC/Web API + </a:t>
+            </a:r>
+            <a:r>
+              <a:rPr lang="cs-CZ" dirty="0" err="1"/>
+              <a:t>Angular</a:t>
+            </a:r>
+            <a:r>
+              <a:rPr lang="cs-CZ" dirty="0"/>
+              <a:t>/</a:t>
+            </a:r>
+            <a:r>
+              <a:rPr lang="cs-CZ" dirty="0" err="1"/>
+              <a:t>React</a:t>
+            </a:r>
+            <a:r>
+              <a:rPr lang="cs-CZ" dirty="0"/>
+              <a:t> + 50 dalších </a:t>
+            </a:r>
+            <a:r>
+              <a:rPr lang="cs-CZ" dirty="0" err="1"/>
+              <a:t>Javascriptových</a:t>
+            </a:r>
+            <a:r>
+              <a:rPr lang="cs-CZ" dirty="0"/>
+              <a:t> knihoven</a:t>
+            </a:r>
+          </a:p>
+          <a:p>
+            <a:pPr lvl="1"/>
+            <a:r>
+              <a:rPr lang="cs-CZ" dirty="0"/>
+              <a:t>Hodně Javascriptu</a:t>
+            </a:r>
+          </a:p>
+          <a:p>
+            <a:pPr lvl="1"/>
+            <a:r>
+              <a:rPr lang="cs-CZ" dirty="0"/>
+              <a:t>Formátování času/Lokalizace</a:t>
+            </a:r>
+          </a:p>
+          <a:p>
+            <a:pPr lvl="1"/>
+            <a:r>
+              <a:rPr lang="cs-CZ" dirty="0"/>
+              <a:t>Slabá </a:t>
+            </a:r>
+            <a:r>
+              <a:rPr lang="cs-CZ" dirty="0" err="1"/>
+              <a:t>InteliSense</a:t>
+            </a:r>
+            <a:endParaRPr lang="cs-CZ" dirty="0"/>
+          </a:p>
+          <a:p>
+            <a:pPr lvl="1"/>
+            <a:endParaRPr lang="cs-CZ" dirty="0"/>
+          </a:p>
+          <a:p>
+            <a:pPr lvl="1"/>
+            <a:endParaRPr lang="cs-CZ" dirty="0"/>
+          </a:p>
+          <a:p>
+            <a:pPr marL="457200" lvl="1" indent="0">
+              <a:buNone/>
+            </a:pPr>
+            <a:endParaRPr lang="cs-CZ" dirty="0"/>
+          </a:p>
+          <a:p>
+            <a:pPr lvl="1"/>
+            <a:endParaRPr lang="cs-CZ" dirty="0"/>
+          </a:p>
+        </p:txBody>
+      </p:sp>
+    </p:spTree>
+    <p:extLst>
+      <p:ext uri="{BB962C8B-B14F-4D97-AF65-F5344CB8AC3E}">
+        <p14:creationId xmlns:p14="http://schemas.microsoft.com/office/powerpoint/2010/main" val="2622176414"/>
+      </p:ext>
+    </p:extLst>
+  </p:cSld>
+  <p:clrMapOvr>
+    <a:masterClrMapping/>
+  </p:clrMapOvr>
+  <mc:AlternateContent xmlns:mc="http://schemas.openxmlformats.org/markup-compatibility/2006" xmlns:p14="http://schemas.microsoft.com/office/powerpoint/2010/main">
+    <mc:Choice Requires="p14">
+      <p:transition spd="slow" p14:dur="1600">
+        <p14:prism isInverted="1"/>
+      </p:transition>
+    </mc:Choice>
+    <mc:Fallback xmlns="">
+      <p:transition spd="slow">
+        <p:fade/>
+      </p:transition>
+    </mc:Fallback>
+  </mc:AlternateContent>
+</p:sld>
+</file>
+
+<file path=ppt/slides/slide3.xml><?xml version="1.0" encoding="utf-8"?>
+<p:sld xmlns:a="http://schemas.openxmlformats.org/drawingml/2006/main" xmlns:r="http://schemas.openxmlformats.org/officeDocument/2006/relationships" xmlns:p="http://schemas.openxmlformats.org/presentationml/2006/main">
+  <p:cSld>
+    <p:spTree>
+      <p:nvGrpSpPr>
+        <p:cNvPr id="1" name=""/>
+        <p:cNvGrpSpPr/>
+        <p:nvPr/>
+      </p:nvGrpSpPr>
+      <p:grpSpPr>
+        <a:xfrm>
+          <a:off x="0" y="0"/>
+          <a:ext cx="0" cy="0"/>
+          <a:chOff x="0" y="0"/>
+          <a:chExt cx="0" cy="0"/>
+        </a:xfrm>
+      </p:grpSpPr>
+      <p:sp>
+        <p:nvSpPr>
+          <p:cNvPr id="4" name="Title 3"/>
+          <p:cNvSpPr>
+            <a:spLocks noGrp="1"/>
+          </p:cNvSpPr>
+          <p:nvPr>
+            <p:ph type="title"/>
+          </p:nvPr>
+        </p:nvSpPr>
+        <p:spPr/>
+        <p:txBody>
           <a:bodyPr/>
           <a:lstStyle/>
           <a:p>
@@ -7231,7 +7952,7 @@
 </p:sld>
 </file>
 
-<file path=ppt/slides/slide3.xml><?xml version="1.0" encoding="utf-8"?>
+<file path=ppt/slides/slide4.xml><?xml version="1.0" encoding="utf-8"?>
 <p:sld xmlns:a="http://schemas.openxmlformats.org/drawingml/2006/main" xmlns:r="http://schemas.openxmlformats.org/officeDocument/2006/relationships" xmlns:p="http://schemas.openxmlformats.org/presentationml/2006/main">
   <p:cSld>
     <p:spTree>
@@ -7326,7 +8047,7 @@
 </p:sld>
 </file>
 
-<file path=ppt/slides/slide4.xml><?xml version="1.0" encoding="utf-8"?>
+<file path=ppt/slides/slide5.xml><?xml version="1.0" encoding="utf-8"?>
 <p:sld xmlns:a="http://schemas.openxmlformats.org/drawingml/2006/main" xmlns:r="http://schemas.openxmlformats.org/officeDocument/2006/relationships" xmlns:p="http://schemas.openxmlformats.org/presentationml/2006/main">
   <p:cSld>
     <p:spTree>
@@ -7397,7 +8118,10 @@
               <a:rPr lang="cs-CZ" dirty="0" err="1"/>
               <a:t>DotvvmViewModelBase</a:t>
             </a:r>
-            <a:endParaRPr lang="cs-CZ" dirty="0"/>
+            <a:r>
+              <a:rPr lang="cs-CZ" dirty="0"/>
+              <a:t> </a:t>
+            </a:r>
           </a:p>
           <a:p>
             <a:pPr lvl="1"/>
@@ -7483,7 +8207,7 @@
 </p:sld>
 </file>
 
-<file path=ppt/slides/slide5.xml><?xml version="1.0" encoding="utf-8"?>
+<file path=ppt/slides/slide6.xml><?xml version="1.0" encoding="utf-8"?>
 <p:sld xmlns:a="http://schemas.openxmlformats.org/drawingml/2006/main" xmlns:r="http://schemas.openxmlformats.org/officeDocument/2006/relationships" xmlns:p="http://schemas.openxmlformats.org/presentationml/2006/main">
   <p:cSld>
     <p:spTree>
@@ -7570,77 +8294,6 @@
 </p:sld>
 </file>
 
-<file path=ppt/slides/slide6.xml><?xml version="1.0" encoding="utf-8"?>
-<p:sld xmlns:a="http://schemas.openxmlformats.org/drawingml/2006/main" xmlns:r="http://schemas.openxmlformats.org/officeDocument/2006/relationships" xmlns:p="http://schemas.openxmlformats.org/presentationml/2006/main">
-  <p:cSld>
-    <p:spTree>
-      <p:nvGrpSpPr>
-        <p:cNvPr id="1" name=""/>
-        <p:cNvGrpSpPr/>
-        <p:nvPr/>
-      </p:nvGrpSpPr>
-      <p:grpSpPr>
-        <a:xfrm>
-          <a:off x="0" y="0"/>
-          <a:ext cx="0" cy="0"/>
-          <a:chOff x="0" y="0"/>
-          <a:chExt cx="0" cy="0"/>
-        </a:xfrm>
-      </p:grpSpPr>
-      <p:sp>
-        <p:nvSpPr>
-          <p:cNvPr id="4" name="Title 3"/>
-          <p:cNvSpPr>
-            <a:spLocks noGrp="1"/>
-          </p:cNvSpPr>
-          <p:nvPr>
-            <p:ph type="title"/>
-          </p:nvPr>
-        </p:nvSpPr>
-        <p:spPr/>
-        <p:txBody>
-          <a:bodyPr>
-            <a:normAutofit/>
-          </a:bodyPr>
-          <a:lstStyle/>
-          <a:p>
-            <a:r>
-              <a:rPr lang="cs-CZ" dirty="0"/>
-              <a:t>První aplikace v </a:t>
-            </a:r>
-            <a:r>
-              <a:rPr lang="cs-CZ" dirty="0" err="1"/>
-              <a:t>DotVVM</a:t>
-            </a:r>
-            <a:endParaRPr lang="cs-CZ" dirty="0"/>
-          </a:p>
-        </p:txBody>
-      </p:sp>
-    </p:spTree>
-    <p:extLst>
-      <p:ext uri="{BB962C8B-B14F-4D97-AF65-F5344CB8AC3E}">
-        <p14:creationId xmlns:p14="http://schemas.microsoft.com/office/powerpoint/2010/main" val="3863274729"/>
-      </p:ext>
-    </p:extLst>
-  </p:cSld>
-  <p:clrMapOvr>
-    <a:masterClrMapping/>
-  </p:clrMapOvr>
-  <mc:AlternateContent xmlns:mc="http://schemas.openxmlformats.org/markup-compatibility/2006" xmlns:p14="http://schemas.microsoft.com/office/powerpoint/2010/main">
-    <mc:Choice Requires="p14">
-      <p:transition spd="slow" p14:dur="1600">
-        <p14:prism isInverted="1"/>
-      </p:transition>
-    </mc:Choice>
-    <mc:Fallback xmlns="">
-      <p:transition spd="slow">
-        <p:fade/>
-      </p:transition>
-    </mc:Fallback>
-  </mc:AlternateContent>
-</p:sld>
-</file>
-
 <file path=ppt/slides/slide7.xml><?xml version="1.0" encoding="utf-8"?>
 <p:sld xmlns:a="http://schemas.openxmlformats.org/drawingml/2006/main" xmlns:r="http://schemas.openxmlformats.org/officeDocument/2006/relationships" xmlns:p="http://schemas.openxmlformats.org/presentationml/2006/main">
   <p:cSld>
@@ -7670,231 +8323,19 @@
         </p:nvSpPr>
         <p:spPr/>
         <p:txBody>
-          <a:bodyPr/>
-          <a:lstStyle/>
-          <a:p>
-            <a:r>
-              <a:rPr lang="cs-CZ" dirty="0" err="1"/>
-              <a:t>Binding</a:t>
-            </a:r>
-            <a:endParaRPr lang="cs-CZ" dirty="0"/>
-          </a:p>
-        </p:txBody>
-      </p:sp>
-      <p:sp>
-        <p:nvSpPr>
-          <p:cNvPr id="5" name="Content Placeholder 4"/>
-          <p:cNvSpPr>
-            <a:spLocks noGrp="1"/>
-          </p:cNvSpPr>
-          <p:nvPr>
-            <p:ph idx="1"/>
-          </p:nvPr>
-        </p:nvSpPr>
-        <p:spPr>
-          <a:xfrm>
-            <a:off x="323528" y="1391123"/>
-            <a:ext cx="8229600" cy="4525963"/>
-          </a:xfrm>
-        </p:spPr>
-        <p:txBody>
           <a:bodyPr>
-            <a:normAutofit fontScale="77500" lnSpcReduction="20000"/>
+            <a:normAutofit/>
           </a:bodyPr>
           <a:lstStyle/>
           <a:p>
             <a:r>
               <a:rPr lang="cs-CZ" dirty="0"/>
-              <a:t>{</a:t>
+              <a:t>První aplikace v </a:t>
             </a:r>
             <a:r>
               <a:rPr lang="cs-CZ" dirty="0" err="1"/>
-              <a:t>value</a:t>
-            </a:r>
-            <a:r>
-              <a:rPr lang="cs-CZ" dirty="0"/>
-              <a:t>: </a:t>
-            </a:r>
-            <a:r>
-              <a:rPr lang="cs-CZ" dirty="0" err="1"/>
-              <a:t>Property</a:t>
-            </a:r>
-            <a:r>
-              <a:rPr lang="cs-CZ" dirty="0"/>
-              <a:t>}</a:t>
-            </a:r>
-          </a:p>
-          <a:p>
-            <a:pPr lvl="1"/>
-            <a:r>
-              <a:rPr lang="cs-CZ" dirty="0"/>
-              <a:t>Přístup k public </a:t>
-            </a:r>
-            <a:r>
-              <a:rPr lang="cs-CZ" dirty="0" err="1"/>
-              <a:t>properties</a:t>
-            </a:r>
-            <a:r>
-              <a:rPr lang="cs-CZ" dirty="0"/>
-              <a:t> ve VM</a:t>
-            </a:r>
-          </a:p>
-          <a:p>
-            <a:r>
-              <a:rPr lang="cs-CZ" dirty="0"/>
-              <a:t>{</a:t>
-            </a:r>
-            <a:r>
-              <a:rPr lang="cs-CZ" dirty="0" err="1"/>
-              <a:t>command</a:t>
-            </a:r>
-            <a:r>
-              <a:rPr lang="cs-CZ" dirty="0"/>
-              <a:t>: </a:t>
-            </a:r>
-            <a:r>
-              <a:rPr lang="cs-CZ" dirty="0" err="1"/>
-              <a:t>Method</a:t>
-            </a:r>
-            <a:r>
-              <a:rPr lang="cs-CZ" dirty="0"/>
-              <a:t>()}</a:t>
-            </a:r>
-          </a:p>
-          <a:p>
-            <a:pPr lvl="1"/>
-            <a:r>
-              <a:rPr lang="cs-CZ" dirty="0"/>
-              <a:t>Zavolání public metody ve VM</a:t>
-            </a:r>
-          </a:p>
-          <a:p>
-            <a:r>
-              <a:rPr lang="cs-CZ" dirty="0"/>
-              <a:t>{</a:t>
-            </a:r>
-            <a:r>
-              <a:rPr lang="cs-CZ" dirty="0" err="1"/>
-              <a:t>staticCommand</a:t>
-            </a:r>
-            <a:r>
-              <a:rPr lang="cs-CZ" dirty="0"/>
-              <a:t>: </a:t>
-            </a:r>
-            <a:r>
-              <a:rPr lang="cs-CZ" dirty="0" err="1"/>
-              <a:t>Method</a:t>
-            </a:r>
-            <a:r>
-              <a:rPr lang="cs-CZ" dirty="0"/>
-              <a:t>()}</a:t>
-            </a:r>
-          </a:p>
-          <a:p>
-            <a:pPr lvl="1"/>
-            <a:r>
-              <a:rPr lang="cs-CZ" dirty="0"/>
-              <a:t>Zavolání statické metody ve VM</a:t>
-            </a:r>
-          </a:p>
-          <a:p>
-            <a:r>
-              <a:rPr lang="cs-CZ" dirty="0"/>
-              <a:t>{</a:t>
-            </a:r>
-            <a:r>
-              <a:rPr lang="cs-CZ" dirty="0" err="1"/>
-              <a:t>resource</a:t>
-            </a:r>
-            <a:r>
-              <a:rPr lang="cs-CZ" dirty="0"/>
-              <a:t>: </a:t>
-            </a:r>
-            <a:r>
-              <a:rPr lang="cs-CZ" dirty="0" err="1"/>
-              <a:t>ResourceFile.ResourceKey</a:t>
-            </a:r>
-            <a:r>
-              <a:rPr lang="cs-CZ" dirty="0"/>
-              <a:t>}</a:t>
-            </a:r>
-          </a:p>
-          <a:p>
-            <a:pPr lvl="1"/>
-            <a:r>
-              <a:rPr lang="cs-CZ" dirty="0"/>
-              <a:t>Získá hodnotu z </a:t>
-            </a:r>
-            <a:r>
-              <a:rPr lang="cs-CZ" dirty="0" err="1"/>
-              <a:t>resx</a:t>
-            </a:r>
-            <a:r>
-              <a:rPr lang="cs-CZ" dirty="0"/>
-              <a:t> souboru</a:t>
-            </a:r>
-          </a:p>
-          <a:p>
-            <a:pPr marL="0" indent="0">
-              <a:buNone/>
-            </a:pPr>
-            <a:endParaRPr lang="cs-CZ" dirty="0"/>
-          </a:p>
-          <a:p>
-            <a:r>
-              <a:rPr lang="cs-CZ" dirty="0"/>
-              <a:t>Použití</a:t>
-            </a:r>
-          </a:p>
-          <a:p>
-            <a:pPr marL="457200" lvl="1" indent="0">
-              <a:buNone/>
-            </a:pPr>
-            <a:r>
-              <a:rPr lang="en-US" dirty="0"/>
-              <a:t>&lt;a </a:t>
-            </a:r>
-            <a:r>
-              <a:rPr lang="en-US" dirty="0" err="1"/>
-              <a:t>href</a:t>
-            </a:r>
-            <a:r>
-              <a:rPr lang="en-US" dirty="0"/>
-              <a:t>="{value: </a:t>
-            </a:r>
-            <a:r>
-              <a:rPr lang="en-US" dirty="0" err="1"/>
-              <a:t>Url</a:t>
-            </a:r>
-            <a:r>
-              <a:rPr lang="en-US" dirty="0"/>
-              <a:t>}"&gt;...&lt;/a&gt;</a:t>
-            </a:r>
-            <a:endParaRPr lang="cs-CZ" dirty="0"/>
-          </a:p>
-          <a:p>
-            <a:pPr marL="457200" lvl="1" indent="0">
-              <a:buNone/>
-            </a:pPr>
-            <a:r>
-              <a:rPr lang="en-US" dirty="0"/>
-              <a:t>&lt;p&gt;Hello {{value: </a:t>
-            </a:r>
-            <a:r>
-              <a:rPr lang="cs-CZ" dirty="0"/>
-              <a:t>Name</a:t>
-            </a:r>
-            <a:r>
-              <a:rPr lang="en-US" dirty="0"/>
-              <a:t>}}!&lt;/p&gt;</a:t>
-            </a:r>
-            <a:endParaRPr lang="cs-CZ" dirty="0"/>
-          </a:p>
-          <a:p>
-            <a:endParaRPr lang="cs-CZ" dirty="0"/>
-          </a:p>
-          <a:p>
-            <a:pPr lvl="1"/>
+              <a:t>DotVVM</a:t>
+            </a:r>
             <a:endParaRPr lang="cs-CZ" dirty="0"/>
           </a:p>
         </p:txBody>
@@ -7902,7 +8343,7 @@
     </p:spTree>
     <p:extLst>
       <p:ext uri="{BB962C8B-B14F-4D97-AF65-F5344CB8AC3E}">
-        <p14:creationId xmlns:p14="http://schemas.microsoft.com/office/powerpoint/2010/main" val="3263510836"/>
+        <p14:creationId xmlns:p14="http://schemas.microsoft.com/office/powerpoint/2010/main" val="3863274729"/>
       </p:ext>
     </p:extLst>
   </p:cSld>
@@ -7953,15 +8394,231 @@
         </p:nvSpPr>
         <p:spPr/>
         <p:txBody>
+          <a:bodyPr/>
+          <a:lstStyle/>
+          <a:p>
+            <a:r>
+              <a:rPr lang="cs-CZ" dirty="0" err="1"/>
+              <a:t>Binding</a:t>
+            </a:r>
+            <a:endParaRPr lang="cs-CZ" dirty="0"/>
+          </a:p>
+        </p:txBody>
+      </p:sp>
+      <p:sp>
+        <p:nvSpPr>
+          <p:cNvPr id="5" name="Content Placeholder 4"/>
+          <p:cNvSpPr>
+            <a:spLocks noGrp="1"/>
+          </p:cNvSpPr>
+          <p:nvPr>
+            <p:ph idx="1"/>
+          </p:nvPr>
+        </p:nvSpPr>
+        <p:spPr>
+          <a:xfrm>
+            <a:off x="323528" y="1391123"/>
+            <a:ext cx="8229600" cy="4525963"/>
+          </a:xfrm>
+        </p:spPr>
+        <p:txBody>
           <a:bodyPr>
-            <a:normAutofit/>
+            <a:normAutofit fontScale="77500" lnSpcReduction="20000"/>
           </a:bodyPr>
           <a:lstStyle/>
           <a:p>
             <a:r>
+              <a:rPr lang="cs-CZ" dirty="0"/>
+              <a:t>{</a:t>
+            </a:r>
+            <a:r>
               <a:rPr lang="cs-CZ" dirty="0" err="1"/>
-              <a:t>Binding</a:t>
-            </a:r>
+              <a:t>value</a:t>
+            </a:r>
+            <a:r>
+              <a:rPr lang="cs-CZ" dirty="0"/>
+              <a:t>: </a:t>
+            </a:r>
+            <a:r>
+              <a:rPr lang="cs-CZ" dirty="0" err="1"/>
+              <a:t>Property</a:t>
+            </a:r>
+            <a:r>
+              <a:rPr lang="cs-CZ" dirty="0"/>
+              <a:t>}</a:t>
+            </a:r>
+          </a:p>
+          <a:p>
+            <a:pPr lvl="1"/>
+            <a:r>
+              <a:rPr lang="cs-CZ" dirty="0"/>
+              <a:t>Přístup k public </a:t>
+            </a:r>
+            <a:r>
+              <a:rPr lang="cs-CZ" dirty="0" err="1"/>
+              <a:t>properties</a:t>
+            </a:r>
+            <a:r>
+              <a:rPr lang="cs-CZ" dirty="0"/>
+              <a:t> ve VM</a:t>
+            </a:r>
+          </a:p>
+          <a:p>
+            <a:r>
+              <a:rPr lang="cs-CZ" dirty="0"/>
+              <a:t>{</a:t>
+            </a:r>
+            <a:r>
+              <a:rPr lang="cs-CZ" dirty="0" err="1"/>
+              <a:t>command</a:t>
+            </a:r>
+            <a:r>
+              <a:rPr lang="cs-CZ" dirty="0"/>
+              <a:t>: </a:t>
+            </a:r>
+            <a:r>
+              <a:rPr lang="cs-CZ" dirty="0" err="1"/>
+              <a:t>Method</a:t>
+            </a:r>
+            <a:r>
+              <a:rPr lang="cs-CZ" dirty="0"/>
+              <a:t>()}</a:t>
+            </a:r>
+          </a:p>
+          <a:p>
+            <a:pPr lvl="1"/>
+            <a:r>
+              <a:rPr lang="cs-CZ" dirty="0"/>
+              <a:t>Zavolání public metody ve VM</a:t>
+            </a:r>
+          </a:p>
+          <a:p>
+            <a:r>
+              <a:rPr lang="cs-CZ" dirty="0"/>
+              <a:t>{</a:t>
+            </a:r>
+            <a:r>
+              <a:rPr lang="cs-CZ" dirty="0" err="1"/>
+              <a:t>staticCommand</a:t>
+            </a:r>
+            <a:r>
+              <a:rPr lang="cs-CZ" dirty="0"/>
+              <a:t>: </a:t>
+            </a:r>
+            <a:r>
+              <a:rPr lang="cs-CZ" dirty="0" err="1"/>
+              <a:t>Method</a:t>
+            </a:r>
+            <a:r>
+              <a:rPr lang="cs-CZ" dirty="0"/>
+              <a:t>()}</a:t>
+            </a:r>
+          </a:p>
+          <a:p>
+            <a:pPr lvl="1"/>
+            <a:r>
+              <a:rPr lang="cs-CZ" dirty="0"/>
+              <a:t>Zavolání statické metody ve VM</a:t>
+            </a:r>
+          </a:p>
+          <a:p>
+            <a:r>
+              <a:rPr lang="cs-CZ" dirty="0"/>
+              <a:t>{</a:t>
+            </a:r>
+            <a:r>
+              <a:rPr lang="cs-CZ" dirty="0" err="1"/>
+              <a:t>resource</a:t>
+            </a:r>
+            <a:r>
+              <a:rPr lang="cs-CZ" dirty="0"/>
+              <a:t>: </a:t>
+            </a:r>
+            <a:r>
+              <a:rPr lang="cs-CZ" dirty="0" err="1"/>
+              <a:t>ResourceFile.ResourceKey</a:t>
+            </a:r>
+            <a:r>
+              <a:rPr lang="cs-CZ" dirty="0"/>
+              <a:t>}</a:t>
+            </a:r>
+          </a:p>
+          <a:p>
+            <a:pPr lvl="1"/>
+            <a:r>
+              <a:rPr lang="cs-CZ" dirty="0"/>
+              <a:t>Získá hodnotu z </a:t>
+            </a:r>
+            <a:r>
+              <a:rPr lang="cs-CZ" dirty="0" err="1"/>
+              <a:t>resx</a:t>
+            </a:r>
+            <a:r>
+              <a:rPr lang="cs-CZ" dirty="0"/>
+              <a:t> souboru</a:t>
+            </a:r>
+          </a:p>
+          <a:p>
+            <a:pPr marL="0" indent="0">
+              <a:buNone/>
+            </a:pPr>
+            <a:endParaRPr lang="cs-CZ" dirty="0"/>
+          </a:p>
+          <a:p>
+            <a:r>
+              <a:rPr lang="cs-CZ" dirty="0"/>
+              <a:t>Použití</a:t>
+            </a:r>
+          </a:p>
+          <a:p>
+            <a:pPr marL="457200" lvl="1" indent="0">
+              <a:buNone/>
+            </a:pPr>
+            <a:r>
+              <a:rPr lang="en-US" dirty="0"/>
+              <a:t>&lt;a </a:t>
+            </a:r>
+            <a:r>
+              <a:rPr lang="en-US" dirty="0" err="1"/>
+              <a:t>href</a:t>
+            </a:r>
+            <a:r>
+              <a:rPr lang="en-US" dirty="0"/>
+              <a:t>="{value: </a:t>
+            </a:r>
+            <a:r>
+              <a:rPr lang="en-US" dirty="0" err="1"/>
+              <a:t>Url</a:t>
+            </a:r>
+            <a:r>
+              <a:rPr lang="en-US" dirty="0"/>
+              <a:t>}"&gt;...&lt;/a&gt;</a:t>
+            </a:r>
+            <a:endParaRPr lang="cs-CZ" dirty="0"/>
+          </a:p>
+          <a:p>
+            <a:pPr marL="457200" lvl="1" indent="0">
+              <a:buNone/>
+            </a:pPr>
+            <a:r>
+              <a:rPr lang="en-US" dirty="0"/>
+              <a:t>&lt;p&gt;Hello {{value: </a:t>
+            </a:r>
+            <a:r>
+              <a:rPr lang="cs-CZ" dirty="0"/>
+              <a:t>Name</a:t>
+            </a:r>
+            <a:r>
+              <a:rPr lang="en-US" dirty="0"/>
+              <a:t>}}!&lt;/p&gt;</a:t>
+            </a:r>
+            <a:endParaRPr lang="cs-CZ" dirty="0"/>
+          </a:p>
+          <a:p>
+            <a:endParaRPr lang="cs-CZ" dirty="0"/>
+          </a:p>
+          <a:p>
+            <a:pPr lvl="1"/>
             <a:endParaRPr lang="cs-CZ" dirty="0"/>
           </a:p>
         </p:txBody>
@@ -7969,7 +8626,7 @@
     </p:spTree>
     <p:extLst>
       <p:ext uri="{BB962C8B-B14F-4D97-AF65-F5344CB8AC3E}">
-        <p14:creationId xmlns:p14="http://schemas.microsoft.com/office/powerpoint/2010/main" val="853528964"/>
+        <p14:creationId xmlns:p14="http://schemas.microsoft.com/office/powerpoint/2010/main" val="3263510836"/>
       </p:ext>
     </p:extLst>
   </p:cSld>
@@ -8020,173 +8677,15 @@
         </p:nvSpPr>
         <p:spPr/>
         <p:txBody>
-          <a:bodyPr/>
-          <a:lstStyle/>
-          <a:p>
-            <a:r>
-              <a:rPr lang="cs-CZ" dirty="0" err="1"/>
-              <a:t>DataContext</a:t>
-            </a:r>
-            <a:endParaRPr lang="cs-CZ" dirty="0"/>
-          </a:p>
-        </p:txBody>
-      </p:sp>
-      <p:sp>
-        <p:nvSpPr>
-          <p:cNvPr id="5" name="Content Placeholder 4"/>
-          <p:cNvSpPr>
-            <a:spLocks noGrp="1"/>
-          </p:cNvSpPr>
-          <p:nvPr>
-            <p:ph idx="1"/>
-          </p:nvPr>
-        </p:nvSpPr>
-        <p:spPr>
-          <a:xfrm>
-            <a:off x="323528" y="1391123"/>
-            <a:ext cx="8229600" cy="4525963"/>
-          </a:xfrm>
-        </p:spPr>
-        <p:txBody>
           <a:bodyPr>
-            <a:normAutofit fontScale="92500" lnSpcReduction="10000"/>
+            <a:normAutofit/>
           </a:bodyPr>
           <a:lstStyle/>
           <a:p>
             <a:r>
-              <a:rPr lang="cs-CZ" dirty="0"/>
-              <a:t>Změna kontextu ve </a:t>
-            </a:r>
-            <a:r>
               <a:rPr lang="cs-CZ" dirty="0" err="1"/>
-              <a:t>View</a:t>
-            </a:r>
-            <a:endParaRPr lang="cs-CZ" dirty="0"/>
-          </a:p>
-          <a:p>
-            <a:r>
-              <a:rPr lang="cs-CZ" dirty="0"/>
-              <a:t>Přistupování k </a:t>
-            </a:r>
-            <a:r>
-              <a:rPr lang="cs-CZ" dirty="0" err="1"/>
-              <a:t>properties</a:t>
-            </a:r>
-            <a:r>
-              <a:rPr lang="cs-CZ" dirty="0"/>
-              <a:t> v </a:t>
-            </a:r>
-            <a:r>
-              <a:rPr lang="cs-CZ" dirty="0" err="1"/>
-              <a:t>DataContextu</a:t>
-            </a:r>
-            <a:endParaRPr lang="cs-CZ" dirty="0"/>
-          </a:p>
-          <a:p>
-            <a:pPr lvl="1"/>
-            <a:r>
-              <a:rPr lang="cs-CZ" dirty="0"/>
-              <a:t> _</a:t>
-            </a:r>
-            <a:r>
-              <a:rPr lang="cs-CZ" dirty="0" err="1"/>
-              <a:t>root</a:t>
-            </a:r>
-            <a:endParaRPr lang="cs-CZ" dirty="0"/>
-          </a:p>
-          <a:p>
-            <a:pPr lvl="1"/>
-            <a:r>
-              <a:rPr lang="cs-CZ" dirty="0"/>
-              <a:t> _</a:t>
-            </a:r>
-            <a:r>
-              <a:rPr lang="cs-CZ" dirty="0" err="1"/>
-              <a:t>parent</a:t>
-            </a:r>
-            <a:endParaRPr lang="cs-CZ" dirty="0"/>
-          </a:p>
-          <a:p>
-            <a:pPr lvl="1"/>
-            <a:r>
-              <a:rPr lang="cs-CZ" dirty="0"/>
-              <a:t> _</a:t>
-            </a:r>
-            <a:r>
-              <a:rPr lang="cs-CZ" dirty="0" err="1"/>
-              <a:t>this</a:t>
-            </a:r>
-            <a:endParaRPr lang="cs-CZ" dirty="0"/>
-          </a:p>
-          <a:p>
-            <a:pPr marL="457200" lvl="1" indent="0">
-              <a:buNone/>
-            </a:pPr>
-            <a:endParaRPr lang="cs-CZ" dirty="0"/>
-          </a:p>
-          <a:p>
-            <a:r>
-              <a:rPr lang="cs-CZ" dirty="0"/>
-              <a:t>Použití</a:t>
-            </a:r>
-          </a:p>
-          <a:p>
-            <a:pPr marL="457200" lvl="1" indent="0">
-              <a:buNone/>
-            </a:pPr>
-            <a:r>
-              <a:rPr lang="cs-CZ" dirty="0"/>
-              <a:t>&lt;div </a:t>
-            </a:r>
-            <a:r>
-              <a:rPr lang="cs-CZ" dirty="0" err="1"/>
-              <a:t>DataContext</a:t>
-            </a:r>
-            <a:r>
-              <a:rPr lang="cs-CZ" dirty="0"/>
-              <a:t>="{</a:t>
-            </a:r>
-            <a:r>
-              <a:rPr lang="cs-CZ" dirty="0" err="1"/>
-              <a:t>value</a:t>
-            </a:r>
-            <a:r>
-              <a:rPr lang="cs-CZ" dirty="0"/>
-              <a:t>: </a:t>
-            </a:r>
-            <a:r>
-              <a:rPr lang="cs-CZ" dirty="0" err="1"/>
-              <a:t>Customer</a:t>
-            </a:r>
-            <a:r>
-              <a:rPr lang="cs-CZ" dirty="0"/>
-              <a:t>}"&gt;</a:t>
-            </a:r>
-            <a:br>
-              <a:rPr lang="cs-CZ" dirty="0"/>
-            </a:br>
-            <a:r>
-              <a:rPr lang="cs-CZ" dirty="0"/>
-              <a:t>		{{</a:t>
-            </a:r>
-            <a:r>
-              <a:rPr lang="cs-CZ" dirty="0" err="1"/>
-              <a:t>value</a:t>
-            </a:r>
-            <a:r>
-              <a:rPr lang="cs-CZ" dirty="0"/>
-              <a:t>: Name}}</a:t>
-            </a:r>
-            <a:br>
-              <a:rPr lang="cs-CZ" dirty="0"/>
-            </a:br>
-            <a:r>
-              <a:rPr lang="cs-CZ" dirty="0"/>
-              <a:t>&lt;/div&gt;</a:t>
-            </a:r>
-          </a:p>
-          <a:p>
-            <a:pPr lvl="1"/>
+              <a:t>Binding</a:t>
+            </a:r>
             <a:endParaRPr lang="cs-CZ" dirty="0"/>
           </a:p>
         </p:txBody>
@@ -8194,7 +8693,7 @@
     </p:spTree>
     <p:extLst>
       <p:ext uri="{BB962C8B-B14F-4D97-AF65-F5344CB8AC3E}">
-        <p14:creationId xmlns:p14="http://schemas.microsoft.com/office/powerpoint/2010/main" val="1214559363"/>
+        <p14:creationId xmlns:p14="http://schemas.microsoft.com/office/powerpoint/2010/main" val="853528964"/>
       </p:ext>
     </p:extLst>
   </p:cSld>
